--- a/Employee_Data_Analysis_PPT.pptx
+++ b/Employee_Data_Analysis_PPT.pptx
@@ -123,7 +123,7 @@
   </p:defaultTextStyle>
   <p:extLst>
     <p:ext uri="{EFAFB233-063F-42B5-8137-9DF3F51BA10A}">
-      <p15:sldGuideLst xmlns:p15="http://schemas.microsoft.com/office/powerpoint/2012/main">
+      <p15:sldGuideLst xmlns:p15="http://schemas.microsoft.com/office/powerpoint/2012/main" xmlns="">
         <p15:guide id="1" orient="horz" pos="2880">
           <p15:clr>
             <a:srgbClr val="A4A3A4"/>
@@ -719,18 +719,8 @@
 </file>
 
 <file path=ppt/charts/chart1.xml><?xml version="1.0" encoding="utf-8"?>
-<c:chartSpace xmlns:c="http://schemas.openxmlformats.org/drawingml/2006/chart" xmlns:a="http://schemas.openxmlformats.org/drawingml/2006/main" xmlns:r="http://schemas.openxmlformats.org/officeDocument/2006/relationships" xmlns:c16r2="http://schemas.microsoft.com/office/drawing/2015/06/chart">
-  <c:date1904 val="0"/>
+<c:chartSpace xmlns:c="http://schemas.openxmlformats.org/drawingml/2006/chart" xmlns:a="http://schemas.openxmlformats.org/drawingml/2006/main" xmlns:r="http://schemas.openxmlformats.org/officeDocument/2006/relationships">
   <c:lang val="en-US"/>
-  <c:roundedCorners val="0"/>
-  <mc:AlternateContent xmlns:mc="http://schemas.openxmlformats.org/markup-compatibility/2006">
-    <mc:Choice xmlns:c14="http://schemas.microsoft.com/office/drawing/2007/8/2/chart" Requires="c14">
-      <c14:style val="102"/>
-    </mc:Choice>
-    <mc:Fallback>
-      <c:style val="2"/>
-    </mc:Fallback>
-  </mc:AlternateContent>
   <c:pivotSource>
     <c:name>[Employee_Dataset.xlsx]Sheet2!PivotTable1</c:name>
     <c:fmtId val="-1"/>
@@ -762,7 +752,6 @@
           </a:p>
         </c:rich>
       </c:tx>
-      <c:overlay val="0"/>
       <c:spPr>
         <a:solidFill>
           <a:srgbClr val="FFFF00"/>
@@ -775,28 +764,7 @@
         </a:ln>
         <a:effectLst/>
       </c:spPr>
-      <c:txPr>
-        <a:bodyPr rot="0" spcFirstLastPara="1" vertOverflow="ellipsis" vert="horz" wrap="square" anchor="ctr" anchorCtr="1"/>
-        <a:lstStyle/>
-        <a:p>
-          <a:pPr>
-            <a:defRPr sz="1600" b="1" i="0" u="none" strike="noStrike" kern="1200" spc="0" baseline="0">
-              <a:solidFill>
-                <a:schemeClr val="tx1">
-                  <a:lumMod val="65000"/>
-                  <a:lumOff val="35000"/>
-                </a:schemeClr>
-              </a:solidFill>
-              <a:latin typeface="Arial Black"/>
-              <a:ea typeface="Arial Black"/>
-              <a:cs typeface="Arial Black"/>
-            </a:defRPr>
-          </a:pPr>
-          <a:endParaRPr lang="en-US"/>
-        </a:p>
-      </c:txPr>
     </c:title>
-    <c:autoTitleDeleted val="0"/>
     <c:pivotFmts>
       <c:pivotFmt>
         <c:idx val="0"/>
@@ -844,13 +812,8 @@
             </a:p>
           </c:txPr>
           <c:dLblPos val="outEnd"/>
-          <c:showLegendKey val="0"/>
           <c:showVal val="1"/>
-          <c:showCatName val="0"/>
-          <c:showSerName val="0"/>
-          <c:showPercent val="0"/>
-          <c:showBubbleSize val="0"/>
-          <c:extLst>
+          <c:extLst xmlns:c16r2="http://schemas.microsoft.com/office/drawing/2015/06/chart">
             <c:ext xmlns:c15="http://schemas.microsoft.com/office/drawing/2012/chart" uri="{CE6537A1-D6FC-4f65-9D91-7224C49458BB}"/>
           </c:extLst>
         </c:dLbl>
@@ -901,13 +864,8 @@
             </a:p>
           </c:txPr>
           <c:dLblPos val="outEnd"/>
-          <c:showLegendKey val="0"/>
           <c:showVal val="1"/>
-          <c:showCatName val="0"/>
-          <c:showSerName val="0"/>
-          <c:showPercent val="0"/>
-          <c:showBubbleSize val="0"/>
-          <c:extLst>
+          <c:extLst xmlns:c16r2="http://schemas.microsoft.com/office/drawing/2015/06/chart">
             <c:ext xmlns:c15="http://schemas.microsoft.com/office/drawing/2012/chart" uri="{CE6537A1-D6FC-4f65-9D91-7224C49458BB}"/>
           </c:extLst>
         </c:dLbl>
@@ -961,13 +919,8 @@
             </a:p>
           </c:txPr>
           <c:dLblPos val="outEnd"/>
-          <c:showLegendKey val="0"/>
           <c:showVal val="1"/>
-          <c:showCatName val="0"/>
-          <c:showSerName val="0"/>
-          <c:showPercent val="0"/>
-          <c:showBubbleSize val="0"/>
-          <c:extLst>
+          <c:extLst xmlns:c16r2="http://schemas.microsoft.com/office/drawing/2015/06/chart">
             <c:ext xmlns:c15="http://schemas.microsoft.com/office/drawing/2012/chart" uri="{CE6537A1-D6FC-4f65-9D91-7224C49458BB}"/>
           </c:extLst>
         </c:dLbl>
@@ -1018,13 +971,8 @@
             </a:p>
           </c:txPr>
           <c:dLblPos val="outEnd"/>
-          <c:showLegendKey val="0"/>
           <c:showVal val="1"/>
-          <c:showCatName val="0"/>
-          <c:showSerName val="0"/>
-          <c:showPercent val="0"/>
-          <c:showBubbleSize val="0"/>
-          <c:extLst>
+          <c:extLst xmlns:c16r2="http://schemas.microsoft.com/office/drawing/2015/06/chart">
             <c:ext xmlns:c15="http://schemas.microsoft.com/office/drawing/2012/chart" uri="{CE6537A1-D6FC-4f65-9D91-7224C49458BB}"/>
           </c:extLst>
         </c:dLbl>
@@ -1075,13 +1023,8 @@
             </a:p>
           </c:txPr>
           <c:dLblPos val="outEnd"/>
-          <c:showLegendKey val="0"/>
           <c:showVal val="1"/>
-          <c:showCatName val="0"/>
-          <c:showSerName val="0"/>
-          <c:showPercent val="0"/>
-          <c:showBubbleSize val="0"/>
-          <c:extLst>
+          <c:extLst xmlns:c16r2="http://schemas.microsoft.com/office/drawing/2015/06/chart">
             <c:ext xmlns:c15="http://schemas.microsoft.com/office/drawing/2012/chart" uri="{CE6537A1-D6FC-4f65-9D91-7224C49458BB}"/>
           </c:extLst>
         </c:dLbl>
@@ -1135,13 +1078,8 @@
             </a:p>
           </c:txPr>
           <c:dLblPos val="outEnd"/>
-          <c:showLegendKey val="0"/>
           <c:showVal val="1"/>
-          <c:showCatName val="0"/>
-          <c:showSerName val="0"/>
-          <c:showPercent val="0"/>
-          <c:showBubbleSize val="0"/>
-          <c:extLst>
+          <c:extLst xmlns:c16r2="http://schemas.microsoft.com/office/drawing/2015/06/chart">
             <c:ext xmlns:c15="http://schemas.microsoft.com/office/drawing/2012/chart" uri="{CE6537A1-D6FC-4f65-9D91-7224C49458BB}"/>
           </c:extLst>
         </c:dLbl>
@@ -1192,13 +1130,8 @@
             </a:p>
           </c:txPr>
           <c:dLblPos val="outEnd"/>
-          <c:showLegendKey val="0"/>
           <c:showVal val="1"/>
-          <c:showCatName val="0"/>
-          <c:showSerName val="0"/>
-          <c:showPercent val="0"/>
-          <c:showBubbleSize val="0"/>
-          <c:extLst>
+          <c:extLst xmlns:c16r2="http://schemas.microsoft.com/office/drawing/2015/06/chart">
             <c:ext xmlns:c15="http://schemas.microsoft.com/office/drawing/2012/chart" uri="{CE6537A1-D6FC-4f65-9D91-7224C49458BB}"/>
           </c:extLst>
         </c:dLbl>
@@ -1249,13 +1182,8 @@
             </a:p>
           </c:txPr>
           <c:dLblPos val="outEnd"/>
-          <c:showLegendKey val="0"/>
           <c:showVal val="1"/>
-          <c:showCatName val="0"/>
-          <c:showSerName val="0"/>
-          <c:showPercent val="0"/>
-          <c:showBubbleSize val="0"/>
-          <c:extLst>
+          <c:extLst xmlns:c16r2="http://schemas.microsoft.com/office/drawing/2015/06/chart">
             <c:ext xmlns:c15="http://schemas.microsoft.com/office/drawing/2012/chart" uri="{CE6537A1-D6FC-4f65-9D91-7224C49458BB}"/>
           </c:extLst>
         </c:dLbl>
@@ -1309,13 +1237,8 @@
             </a:p>
           </c:txPr>
           <c:dLblPos val="outEnd"/>
-          <c:showLegendKey val="0"/>
           <c:showVal val="1"/>
-          <c:showCatName val="0"/>
-          <c:showSerName val="0"/>
-          <c:showPercent val="0"/>
-          <c:showBubbleSize val="0"/>
-          <c:extLst>
+          <c:extLst xmlns:c16r2="http://schemas.microsoft.com/office/drawing/2015/06/chart">
             <c:ext xmlns:c15="http://schemas.microsoft.com/office/drawing/2012/chart" uri="{CE6537A1-D6FC-4f65-9D91-7224C49458BB}"/>
           </c:extLst>
         </c:dLbl>
@@ -1326,7 +1249,6 @@
       <c:barChart>
         <c:barDir val="col"/>
         <c:grouping val="clustered"/>
-        <c:varyColors val="0"/>
         <c:ser>
           <c:idx val="0"/>
           <c:order val="0"/>
@@ -1350,7 +1272,6 @@
             </a:ln>
             <a:effectLst/>
           </c:spPr>
-          <c:invertIfNegative val="0"/>
           <c:dLbls>
             <c:spPr>
               <a:noFill/>
@@ -1382,14 +1303,8 @@
               </a:p>
             </c:txPr>
             <c:dLblPos val="outEnd"/>
-            <c:showLegendKey val="0"/>
             <c:showVal val="1"/>
-            <c:showCatName val="0"/>
-            <c:showSerName val="0"/>
-            <c:showPercent val="0"/>
-            <c:showBubbleSize val="0"/>
-            <c:showLeaderLines val="0"/>
-            <c:extLst>
+            <c:extLst xmlns:c16r2="http://schemas.microsoft.com/office/drawing/2015/06/chart">
               <c:ext xmlns:c15="http://schemas.microsoft.com/office/drawing/2012/chart" uri="{CE6537A1-D6FC-4f65-9D91-7224C49458BB}">
                 <c15:showLeaderLines val="1"/>
                 <c15:leaderLines>
@@ -1504,7 +1419,7 @@
               </c:numCache>
             </c:numRef>
           </c:val>
-          <c:extLst>
+          <c:extLst xmlns:c16r2="http://schemas.microsoft.com/office/drawing/2015/06/chart">
             <c:ext xmlns:c16="http://schemas.microsoft.com/office/drawing/2014/chart" uri="{C3380CC4-5D6E-409C-BE32-E72D297353CC}">
               <c16:uniqueId val="{00000000-2458-477A-A55D-35A79C9CCF75}"/>
             </c:ext>
@@ -1533,7 +1448,6 @@
             </a:ln>
             <a:effectLst/>
           </c:spPr>
-          <c:invertIfNegative val="0"/>
           <c:dLbls>
             <c:spPr>
               <a:noFill/>
@@ -1565,14 +1479,8 @@
               </a:p>
             </c:txPr>
             <c:dLblPos val="outEnd"/>
-            <c:showLegendKey val="0"/>
             <c:showVal val="1"/>
-            <c:showCatName val="0"/>
-            <c:showSerName val="0"/>
-            <c:showPercent val="0"/>
-            <c:showBubbleSize val="0"/>
-            <c:showLeaderLines val="0"/>
-            <c:extLst>
+            <c:extLst xmlns:c16r2="http://schemas.microsoft.com/office/drawing/2015/06/chart">
               <c:ext xmlns:c15="http://schemas.microsoft.com/office/drawing/2012/chart" uri="{CE6537A1-D6FC-4f65-9D91-7224C49458BB}">
                 <c15:showLeaderLines val="1"/>
                 <c15:leaderLines>
@@ -1687,7 +1595,7 @@
               </c:numCache>
             </c:numRef>
           </c:val>
-          <c:extLst>
+          <c:extLst xmlns:c16r2="http://schemas.microsoft.com/office/drawing/2015/06/chart">
             <c:ext xmlns:c16="http://schemas.microsoft.com/office/drawing/2014/chart" uri="{C3380CC4-5D6E-409C-BE32-E72D297353CC}">
               <c16:uniqueId val="{00000001-2458-477A-A55D-35A79C9CCF75}"/>
             </c:ext>
@@ -1719,7 +1627,6 @@
             </a:ln>
             <a:effectLst/>
           </c:spPr>
-          <c:invertIfNegative val="0"/>
           <c:dLbls>
             <c:spPr>
               <a:noFill/>
@@ -1751,14 +1658,8 @@
               </a:p>
             </c:txPr>
             <c:dLblPos val="outEnd"/>
-            <c:showLegendKey val="0"/>
             <c:showVal val="1"/>
-            <c:showCatName val="0"/>
-            <c:showSerName val="0"/>
-            <c:showPercent val="0"/>
-            <c:showBubbleSize val="0"/>
-            <c:showLeaderLines val="0"/>
-            <c:extLst>
+            <c:extLst xmlns:c16r2="http://schemas.microsoft.com/office/drawing/2015/06/chart">
               <c:ext xmlns:c15="http://schemas.microsoft.com/office/drawing/2012/chart" uri="{CE6537A1-D6FC-4f65-9D91-7224C49458BB}">
                 <c15:showLeaderLines val="1"/>
                 <c15:leaderLines>
@@ -1870,32 +1771,25 @@
               </c:numCache>
             </c:numRef>
           </c:val>
-          <c:extLst>
+          <c:extLst xmlns:c16r2="http://schemas.microsoft.com/office/drawing/2015/06/chart">
             <c:ext xmlns:c16="http://schemas.microsoft.com/office/drawing/2014/chart" uri="{C3380CC4-5D6E-409C-BE32-E72D297353CC}">
               <c16:uniqueId val="{00000002-2458-477A-A55D-35A79C9CCF75}"/>
             </c:ext>
           </c:extLst>
         </c:ser>
         <c:dLbls>
-          <c:dLblPos val="outEnd"/>
-          <c:showLegendKey val="0"/>
           <c:showVal val="1"/>
-          <c:showCatName val="0"/>
-          <c:showSerName val="0"/>
-          <c:showPercent val="0"/>
-          <c:showBubbleSize val="0"/>
         </c:dLbls>
         <c:gapWidth val="219"/>
         <c:overlap val="-27"/>
-        <c:axId val="689790472"/>
-        <c:axId val="493549063"/>
+        <c:axId val="109025152"/>
+        <c:axId val="109031424"/>
       </c:barChart>
       <c:catAx>
-        <c:axId val="689790472"/>
+        <c:axId val="109025152"/>
         <c:scaling>
           <c:orientation val="minMax"/>
         </c:scaling>
-        <c:delete val="0"/>
         <c:axPos val="b"/>
         <c:title>
           <c:tx>
@@ -1923,7 +1817,6 @@
               </a:p>
             </c:rich>
           </c:tx>
-          <c:overlay val="0"/>
           <c:spPr>
             <a:noFill/>
             <a:ln>
@@ -1931,30 +1824,9 @@
             </a:ln>
             <a:effectLst/>
           </c:spPr>
-          <c:txPr>
-            <a:bodyPr rot="0" spcFirstLastPara="1" vertOverflow="ellipsis" vert="horz" wrap="square" anchor="ctr" anchorCtr="1"/>
-            <a:lstStyle/>
-            <a:p>
-              <a:pPr>
-                <a:defRPr sz="1200" b="1" i="0" u="none" strike="noStrike" kern="1200" baseline="0">
-                  <a:solidFill>
-                    <a:schemeClr val="tx1">
-                      <a:lumMod val="65000"/>
-                      <a:lumOff val="35000"/>
-                    </a:schemeClr>
-                  </a:solidFill>
-                  <a:latin typeface="MingLiU_HKSCS"/>
-                  <a:ea typeface="MingLiU_HKSCS"/>
-                  <a:cs typeface="MingLiU_HKSCS"/>
-                </a:defRPr>
-              </a:pPr>
-              <a:endParaRPr lang="en-US"/>
-            </a:p>
-          </c:txPr>
         </c:title>
         <c:numFmt formatCode="General" sourceLinked="1"/>
         <c:majorTickMark val="none"/>
-        <c:minorTickMark val="none"/>
         <c:tickLblPos val="nextTo"/>
         <c:spPr>
           <a:noFill/>
@@ -1989,19 +1861,17 @@
             <a:endParaRPr lang="en-US"/>
           </a:p>
         </c:txPr>
-        <c:crossAx val="493549063"/>
+        <c:crossAx val="109031424"/>
         <c:crosses val="autoZero"/>
         <c:auto val="1"/>
         <c:lblAlgn val="ctr"/>
         <c:lblOffset val="100"/>
-        <c:noMultiLvlLbl val="0"/>
       </c:catAx>
       <c:valAx>
-        <c:axId val="493549063"/>
+        <c:axId val="109031424"/>
         <c:scaling>
           <c:orientation val="minMax"/>
         </c:scaling>
-        <c:delete val="0"/>
         <c:axPos val="l"/>
         <c:majorGridlines>
           <c:spPr>
@@ -2043,7 +1913,6 @@
               </a:p>
             </c:rich>
           </c:tx>
-          <c:overlay val="0"/>
           <c:spPr>
             <a:noFill/>
             <a:ln w="25400">
@@ -2051,30 +1920,9 @@
             </a:ln>
             <a:effectLst/>
           </c:spPr>
-          <c:txPr>
-            <a:bodyPr rot="-5400000" spcFirstLastPara="1" vertOverflow="ellipsis" vert="horz" wrap="square" anchor="ctr" anchorCtr="1"/>
-            <a:lstStyle/>
-            <a:p>
-              <a:pPr>
-                <a:defRPr sz="1200" b="1" i="0" u="none" strike="noStrike" kern="1200" baseline="0">
-                  <a:solidFill>
-                    <a:schemeClr val="tx1">
-                      <a:lumMod val="65000"/>
-                      <a:lumOff val="35000"/>
-                    </a:schemeClr>
-                  </a:solidFill>
-                  <a:latin typeface="MingLiU_HKSCS"/>
-                  <a:ea typeface="MingLiU_HKSCS"/>
-                  <a:cs typeface="MingLiU_HKSCS"/>
-                </a:defRPr>
-              </a:pPr>
-              <a:endParaRPr lang="en-US"/>
-            </a:p>
-          </c:txPr>
         </c:title>
         <c:numFmt formatCode="General" sourceLinked="1"/>
         <c:majorTickMark val="none"/>
-        <c:minorTickMark val="none"/>
         <c:tickLblPos val="nextTo"/>
         <c:spPr>
           <a:noFill/>
@@ -2103,7 +1951,7 @@
             <a:endParaRPr lang="en-US"/>
           </a:p>
         </c:txPr>
-        <c:crossAx val="689790472"/>
+        <c:crossAx val="109025152"/>
         <c:crosses val="autoZero"/>
         <c:crossBetween val="between"/>
       </c:valAx>
@@ -2117,7 +1965,6 @@
     </c:plotArea>
     <c:legend>
       <c:legendPos val="b"/>
-      <c:overlay val="0"/>
       <c:spPr>
         <a:noFill/>
         <a:ln>
@@ -2148,7 +1995,6 @@
     </c:legend>
     <c:plotVisOnly val="1"/>
     <c:dispBlanksAs val="gap"/>
-    <c:showDLblsOverMax val="0"/>
   </c:chart>
   <c:spPr>
     <a:noFill/>
@@ -2167,10 +2013,8 @@
       <a:endParaRPr lang="en-US"/>
     </a:p>
   </c:txPr>
-  <c:externalData r:id="rId3">
-    <c:autoUpdate val="0"/>
-  </c:externalData>
-  <c:extLst>
+  <c:externalData r:id="rId1"/>
+  <c:extLst xmlns:c16r2="http://schemas.microsoft.com/office/drawing/2015/06/chart">
     <c:ext xmlns:c14="http://schemas.microsoft.com/office/drawing/2007/8/2/chart" uri="{781A3756-C4B2-4CAC-9D66-4F8BD8637D16}">
       <c14:pivotOptions>
         <c14:dropZonesVisible val="1"/>
@@ -2186,18 +2030,8 @@
 </file>
 
 <file path=ppt/charts/chart2.xml><?xml version="1.0" encoding="utf-8"?>
-<c:chartSpace xmlns:c="http://schemas.openxmlformats.org/drawingml/2006/chart" xmlns:a="http://schemas.openxmlformats.org/drawingml/2006/main" xmlns:r="http://schemas.openxmlformats.org/officeDocument/2006/relationships" xmlns:c16r2="http://schemas.microsoft.com/office/drawing/2015/06/chart">
-  <c:date1904 val="0"/>
+<c:chartSpace xmlns:c="http://schemas.openxmlformats.org/drawingml/2006/chart" xmlns:a="http://schemas.openxmlformats.org/drawingml/2006/main" xmlns:r="http://schemas.openxmlformats.org/officeDocument/2006/relationships">
   <c:lang val="en-US"/>
-  <c:roundedCorners val="0"/>
-  <mc:AlternateContent xmlns:mc="http://schemas.openxmlformats.org/markup-compatibility/2006">
-    <mc:Choice xmlns:c14="http://schemas.microsoft.com/office/drawing/2007/8/2/chart" Requires="c14">
-      <c14:style val="102"/>
-    </mc:Choice>
-    <mc:Fallback>
-      <c:style val="2"/>
-    </mc:Fallback>
-  </mc:AlternateContent>
   <c:pivotSource>
     <c:name>[Employee_Dataset.xlsx]Sheet3!employee location analysis</c:name>
     <c:fmtId val="-1"/>
@@ -2226,7 +2060,6 @@
           </a:p>
         </c:rich>
       </c:tx>
-      <c:overlay val="0"/>
       <c:spPr>
         <a:noFill/>
         <a:ln>
@@ -2234,25 +2067,7 @@
         </a:ln>
         <a:effectLst/>
       </c:spPr>
-      <c:txPr>
-        <a:bodyPr rot="0" spcFirstLastPara="1" vertOverflow="ellipsis" vert="horz" wrap="square" anchor="ctr" anchorCtr="1"/>
-        <a:lstStyle/>
-        <a:p>
-          <a:pPr>
-            <a:defRPr sz="1600" b="1" i="0" u="none" strike="noStrike" kern="1200" spc="0" baseline="0">
-              <a:solidFill>
-                <a:srgbClr val="FF0000"/>
-              </a:solidFill>
-              <a:latin typeface="Arial Black"/>
-              <a:ea typeface="Arial Black"/>
-              <a:cs typeface="Arial Black"/>
-            </a:defRPr>
-          </a:pPr>
-          <a:endParaRPr lang="en-US"/>
-        </a:p>
-      </c:txPr>
     </c:title>
-    <c:autoTitleDeleted val="0"/>
     <c:pivotFmts>
       <c:pivotFmt>
         <c:idx val="0"/>
@@ -2300,13 +2115,8 @@
             </a:p>
           </c:txPr>
           <c:dLblPos val="outEnd"/>
-          <c:showLegendKey val="0"/>
           <c:showVal val="1"/>
-          <c:showCatName val="0"/>
-          <c:showSerName val="0"/>
-          <c:showPercent val="0"/>
-          <c:showBubbleSize val="0"/>
-          <c:extLst>
+          <c:extLst xmlns:c16r2="http://schemas.microsoft.com/office/drawing/2015/06/chart">
             <c:ext xmlns:c15="http://schemas.microsoft.com/office/drawing/2012/chart" uri="{CE6537A1-D6FC-4f65-9D91-7224C49458BB}"/>
           </c:extLst>
         </c:dLbl>
@@ -2357,13 +2167,8 @@
             </a:p>
           </c:txPr>
           <c:dLblPos val="outEnd"/>
-          <c:showLegendKey val="0"/>
           <c:showVal val="1"/>
-          <c:showCatName val="0"/>
-          <c:showSerName val="0"/>
-          <c:showPercent val="0"/>
-          <c:showBubbleSize val="0"/>
-          <c:extLst>
+          <c:extLst xmlns:c16r2="http://schemas.microsoft.com/office/drawing/2015/06/chart">
             <c:ext xmlns:c15="http://schemas.microsoft.com/office/drawing/2012/chart" uri="{CE6537A1-D6FC-4f65-9D91-7224C49458BB}"/>
           </c:extLst>
         </c:dLbl>
@@ -2414,13 +2219,8 @@
             </a:p>
           </c:txPr>
           <c:dLblPos val="outEnd"/>
-          <c:showLegendKey val="0"/>
           <c:showVal val="1"/>
-          <c:showCatName val="0"/>
-          <c:showSerName val="0"/>
-          <c:showPercent val="0"/>
-          <c:showBubbleSize val="0"/>
-          <c:extLst>
+          <c:extLst xmlns:c16r2="http://schemas.microsoft.com/office/drawing/2015/06/chart">
             <c:ext xmlns:c15="http://schemas.microsoft.com/office/drawing/2012/chart" uri="{CE6537A1-D6FC-4f65-9D91-7224C49458BB}"/>
           </c:extLst>
         </c:dLbl>
@@ -2471,13 +2271,8 @@
             </a:p>
           </c:txPr>
           <c:dLblPos val="outEnd"/>
-          <c:showLegendKey val="0"/>
           <c:showVal val="1"/>
-          <c:showCatName val="0"/>
-          <c:showSerName val="0"/>
-          <c:showPercent val="0"/>
-          <c:showBubbleSize val="0"/>
-          <c:extLst>
+          <c:extLst xmlns:c16r2="http://schemas.microsoft.com/office/drawing/2015/06/chart">
             <c:ext xmlns:c15="http://schemas.microsoft.com/office/drawing/2012/chart" uri="{CE6537A1-D6FC-4f65-9D91-7224C49458BB}"/>
           </c:extLst>
         </c:dLbl>
@@ -2528,13 +2323,8 @@
             </a:p>
           </c:txPr>
           <c:dLblPos val="outEnd"/>
-          <c:showLegendKey val="0"/>
           <c:showVal val="1"/>
-          <c:showCatName val="0"/>
-          <c:showSerName val="0"/>
-          <c:showPercent val="0"/>
-          <c:showBubbleSize val="0"/>
-          <c:extLst>
+          <c:extLst xmlns:c16r2="http://schemas.microsoft.com/office/drawing/2015/06/chart">
             <c:ext xmlns:c15="http://schemas.microsoft.com/office/drawing/2012/chart" uri="{CE6537A1-D6FC-4f65-9D91-7224C49458BB}"/>
           </c:extLst>
         </c:dLbl>
@@ -2585,13 +2375,8 @@
             </a:p>
           </c:txPr>
           <c:dLblPos val="outEnd"/>
-          <c:showLegendKey val="0"/>
           <c:showVal val="1"/>
-          <c:showCatName val="0"/>
-          <c:showSerName val="0"/>
-          <c:showPercent val="0"/>
-          <c:showBubbleSize val="0"/>
-          <c:extLst>
+          <c:extLst xmlns:c16r2="http://schemas.microsoft.com/office/drawing/2015/06/chart">
             <c:ext xmlns:c15="http://schemas.microsoft.com/office/drawing/2012/chart" uri="{CE6537A1-D6FC-4f65-9D91-7224C49458BB}"/>
           </c:extLst>
         </c:dLbl>
@@ -2642,13 +2427,8 @@
             </a:p>
           </c:txPr>
           <c:dLblPos val="outEnd"/>
-          <c:showLegendKey val="0"/>
           <c:showVal val="1"/>
-          <c:showCatName val="0"/>
-          <c:showSerName val="0"/>
-          <c:showPercent val="0"/>
-          <c:showBubbleSize val="0"/>
-          <c:extLst>
+          <c:extLst xmlns:c16r2="http://schemas.microsoft.com/office/drawing/2015/06/chart">
             <c:ext xmlns:c15="http://schemas.microsoft.com/office/drawing/2012/chart" uri="{CE6537A1-D6FC-4f65-9D91-7224C49458BB}"/>
           </c:extLst>
         </c:dLbl>
@@ -2699,13 +2479,8 @@
             </a:p>
           </c:txPr>
           <c:dLblPos val="outEnd"/>
-          <c:showLegendKey val="0"/>
           <c:showVal val="1"/>
-          <c:showCatName val="0"/>
-          <c:showSerName val="0"/>
-          <c:showPercent val="0"/>
-          <c:showBubbleSize val="0"/>
-          <c:extLst>
+          <c:extLst xmlns:c16r2="http://schemas.microsoft.com/office/drawing/2015/06/chart">
             <c:ext xmlns:c15="http://schemas.microsoft.com/office/drawing/2012/chart" uri="{CE6537A1-D6FC-4f65-9D91-7224C49458BB}"/>
           </c:extLst>
         </c:dLbl>
@@ -2756,13 +2531,8 @@
             </a:p>
           </c:txPr>
           <c:dLblPos val="outEnd"/>
-          <c:showLegendKey val="0"/>
           <c:showVal val="1"/>
-          <c:showCatName val="0"/>
-          <c:showSerName val="0"/>
-          <c:showPercent val="0"/>
-          <c:showBubbleSize val="0"/>
-          <c:extLst>
+          <c:extLst xmlns:c16r2="http://schemas.microsoft.com/office/drawing/2015/06/chart">
             <c:ext xmlns:c15="http://schemas.microsoft.com/office/drawing/2012/chart" uri="{CE6537A1-D6FC-4f65-9D91-7224C49458BB}"/>
           </c:extLst>
         </c:dLbl>
@@ -2813,13 +2583,8 @@
             </a:p>
           </c:txPr>
           <c:dLblPos val="outEnd"/>
-          <c:showLegendKey val="0"/>
           <c:showVal val="1"/>
-          <c:showCatName val="0"/>
-          <c:showSerName val="0"/>
-          <c:showPercent val="0"/>
-          <c:showBubbleSize val="0"/>
-          <c:extLst>
+          <c:extLst xmlns:c16r2="http://schemas.microsoft.com/office/drawing/2015/06/chart">
             <c:ext xmlns:c15="http://schemas.microsoft.com/office/drawing/2012/chart" uri="{CE6537A1-D6FC-4f65-9D91-7224C49458BB}"/>
           </c:extLst>
         </c:dLbl>
@@ -2870,13 +2635,8 @@
             </a:p>
           </c:txPr>
           <c:dLblPos val="outEnd"/>
-          <c:showLegendKey val="0"/>
           <c:showVal val="1"/>
-          <c:showCatName val="0"/>
-          <c:showSerName val="0"/>
-          <c:showPercent val="0"/>
-          <c:showBubbleSize val="0"/>
-          <c:extLst>
+          <c:extLst xmlns:c16r2="http://schemas.microsoft.com/office/drawing/2015/06/chart">
             <c:ext xmlns:c15="http://schemas.microsoft.com/office/drawing/2012/chart" uri="{CE6537A1-D6FC-4f65-9D91-7224C49458BB}"/>
           </c:extLst>
         </c:dLbl>
@@ -2927,13 +2687,8 @@
             </a:p>
           </c:txPr>
           <c:dLblPos val="outEnd"/>
-          <c:showLegendKey val="0"/>
           <c:showVal val="1"/>
-          <c:showCatName val="0"/>
-          <c:showSerName val="0"/>
-          <c:showPercent val="0"/>
-          <c:showBubbleSize val="0"/>
-          <c:extLst>
+          <c:extLst xmlns:c16r2="http://schemas.microsoft.com/office/drawing/2015/06/chart">
             <c:ext xmlns:c15="http://schemas.microsoft.com/office/drawing/2012/chart" uri="{CE6537A1-D6FC-4f65-9D91-7224C49458BB}"/>
           </c:extLst>
         </c:dLbl>
@@ -2984,13 +2739,8 @@
             </a:p>
           </c:txPr>
           <c:dLblPos val="outEnd"/>
-          <c:showLegendKey val="0"/>
           <c:showVal val="1"/>
-          <c:showCatName val="0"/>
-          <c:showSerName val="0"/>
-          <c:showPercent val="0"/>
-          <c:showBubbleSize val="0"/>
-          <c:extLst>
+          <c:extLst xmlns:c16r2="http://schemas.microsoft.com/office/drawing/2015/06/chart">
             <c:ext xmlns:c15="http://schemas.microsoft.com/office/drawing/2012/chart" uri="{CE6537A1-D6FC-4f65-9D91-7224C49458BB}"/>
           </c:extLst>
         </c:dLbl>
@@ -3041,13 +2791,8 @@
             </a:p>
           </c:txPr>
           <c:dLblPos val="outEnd"/>
-          <c:showLegendKey val="0"/>
           <c:showVal val="1"/>
-          <c:showCatName val="0"/>
-          <c:showSerName val="0"/>
-          <c:showPercent val="0"/>
-          <c:showBubbleSize val="0"/>
-          <c:extLst>
+          <c:extLst xmlns:c16r2="http://schemas.microsoft.com/office/drawing/2015/06/chart">
             <c:ext xmlns:c15="http://schemas.microsoft.com/office/drawing/2012/chart" uri="{CE6537A1-D6FC-4f65-9D91-7224C49458BB}"/>
           </c:extLst>
         </c:dLbl>
@@ -3098,13 +2843,8 @@
             </a:p>
           </c:txPr>
           <c:dLblPos val="outEnd"/>
-          <c:showLegendKey val="0"/>
           <c:showVal val="1"/>
-          <c:showCatName val="0"/>
-          <c:showSerName val="0"/>
-          <c:showPercent val="0"/>
-          <c:showBubbleSize val="0"/>
-          <c:extLst>
+          <c:extLst xmlns:c16r2="http://schemas.microsoft.com/office/drawing/2015/06/chart">
             <c:ext xmlns:c15="http://schemas.microsoft.com/office/drawing/2012/chart" uri="{CE6537A1-D6FC-4f65-9D91-7224C49458BB}"/>
           </c:extLst>
         </c:dLbl>
@@ -3155,13 +2895,8 @@
             </a:p>
           </c:txPr>
           <c:dLblPos val="outEnd"/>
-          <c:showLegendKey val="0"/>
           <c:showVal val="1"/>
-          <c:showCatName val="0"/>
-          <c:showSerName val="0"/>
-          <c:showPercent val="0"/>
-          <c:showBubbleSize val="0"/>
-          <c:extLst>
+          <c:extLst xmlns:c16r2="http://schemas.microsoft.com/office/drawing/2015/06/chart">
             <c:ext xmlns:c15="http://schemas.microsoft.com/office/drawing/2012/chart" uri="{CE6537A1-D6FC-4f65-9D91-7224C49458BB}"/>
           </c:extLst>
         </c:dLbl>
@@ -3212,13 +2947,8 @@
             </a:p>
           </c:txPr>
           <c:dLblPos val="outEnd"/>
-          <c:showLegendKey val="0"/>
           <c:showVal val="1"/>
-          <c:showCatName val="0"/>
-          <c:showSerName val="0"/>
-          <c:showPercent val="0"/>
-          <c:showBubbleSize val="0"/>
-          <c:extLst>
+          <c:extLst xmlns:c16r2="http://schemas.microsoft.com/office/drawing/2015/06/chart">
             <c:ext xmlns:c15="http://schemas.microsoft.com/office/drawing/2012/chart" uri="{CE6537A1-D6FC-4f65-9D91-7224C49458BB}"/>
           </c:extLst>
         </c:dLbl>
@@ -3269,13 +2999,8 @@
             </a:p>
           </c:txPr>
           <c:dLblPos val="outEnd"/>
-          <c:showLegendKey val="0"/>
           <c:showVal val="1"/>
-          <c:showCatName val="0"/>
-          <c:showSerName val="0"/>
-          <c:showPercent val="0"/>
-          <c:showBubbleSize val="0"/>
-          <c:extLst>
+          <c:extLst xmlns:c16r2="http://schemas.microsoft.com/office/drawing/2015/06/chart">
             <c:ext xmlns:c15="http://schemas.microsoft.com/office/drawing/2012/chart" uri="{CE6537A1-D6FC-4f65-9D91-7224C49458BB}"/>
           </c:extLst>
         </c:dLbl>
@@ -3326,13 +3051,8 @@
             </a:p>
           </c:txPr>
           <c:dLblPos val="outEnd"/>
-          <c:showLegendKey val="0"/>
           <c:showVal val="1"/>
-          <c:showCatName val="0"/>
-          <c:showSerName val="0"/>
-          <c:showPercent val="0"/>
-          <c:showBubbleSize val="0"/>
-          <c:extLst>
+          <c:extLst xmlns:c16r2="http://schemas.microsoft.com/office/drawing/2015/06/chart">
             <c:ext xmlns:c15="http://schemas.microsoft.com/office/drawing/2012/chart" uri="{CE6537A1-D6FC-4f65-9D91-7224C49458BB}"/>
           </c:extLst>
         </c:dLbl>
@@ -3383,13 +3103,8 @@
             </a:p>
           </c:txPr>
           <c:dLblPos val="outEnd"/>
-          <c:showLegendKey val="0"/>
           <c:showVal val="1"/>
-          <c:showCatName val="0"/>
-          <c:showSerName val="0"/>
-          <c:showPercent val="0"/>
-          <c:showBubbleSize val="0"/>
-          <c:extLst>
+          <c:extLst xmlns:c16r2="http://schemas.microsoft.com/office/drawing/2015/06/chart">
             <c:ext xmlns:c15="http://schemas.microsoft.com/office/drawing/2012/chart" uri="{CE6537A1-D6FC-4f65-9D91-7224C49458BB}"/>
           </c:extLst>
         </c:dLbl>
@@ -3440,13 +3155,8 @@
             </a:p>
           </c:txPr>
           <c:dLblPos val="outEnd"/>
-          <c:showLegendKey val="0"/>
           <c:showVal val="1"/>
-          <c:showCatName val="0"/>
-          <c:showSerName val="0"/>
-          <c:showPercent val="0"/>
-          <c:showBubbleSize val="0"/>
-          <c:extLst>
+          <c:extLst xmlns:c16r2="http://schemas.microsoft.com/office/drawing/2015/06/chart">
             <c:ext xmlns:c15="http://schemas.microsoft.com/office/drawing/2012/chart" uri="{CE6537A1-D6FC-4f65-9D91-7224C49458BB}"/>
           </c:extLst>
         </c:dLbl>
@@ -3457,7 +3167,6 @@
       <c:barChart>
         <c:barDir val="col"/>
         <c:grouping val="clustered"/>
-        <c:varyColors val="0"/>
         <c:ser>
           <c:idx val="0"/>
           <c:order val="0"/>
@@ -3481,7 +3190,6 @@
             </a:ln>
             <a:effectLst/>
           </c:spPr>
-          <c:invertIfNegative val="0"/>
           <c:dLbls>
             <c:spPr>
               <a:noFill/>
@@ -3513,14 +3221,8 @@
               </a:p>
             </c:txPr>
             <c:dLblPos val="outEnd"/>
-            <c:showLegendKey val="0"/>
             <c:showVal val="1"/>
-            <c:showCatName val="0"/>
-            <c:showSerName val="0"/>
-            <c:showPercent val="0"/>
-            <c:showBubbleSize val="0"/>
-            <c:showLeaderLines val="0"/>
-            <c:extLst>
+            <c:extLst xmlns:c16r2="http://schemas.microsoft.com/office/drawing/2015/06/chart">
               <c:ext xmlns:c15="http://schemas.microsoft.com/office/drawing/2012/chart" uri="{CE6537A1-D6FC-4f65-9D91-7224C49458BB}">
                 <c15:showLeaderLines val="1"/>
                 <c15:leaderLines>
@@ -3623,7 +3325,7 @@
               </c:numCache>
             </c:numRef>
           </c:val>
-          <c:extLst>
+          <c:extLst xmlns:c16r2="http://schemas.microsoft.com/office/drawing/2015/06/chart">
             <c:ext xmlns:c16="http://schemas.microsoft.com/office/drawing/2014/chart" uri="{C3380CC4-5D6E-409C-BE32-E72D297353CC}">
               <c16:uniqueId val="{00000000-37BF-43EA-A35C-D3FF7F5F695F}"/>
             </c:ext>
@@ -3652,7 +3354,6 @@
             </a:ln>
             <a:effectLst/>
           </c:spPr>
-          <c:invertIfNegative val="0"/>
           <c:dLbls>
             <c:spPr>
               <a:noFill/>
@@ -3684,14 +3385,8 @@
               </a:p>
             </c:txPr>
             <c:dLblPos val="outEnd"/>
-            <c:showLegendKey val="0"/>
             <c:showVal val="1"/>
-            <c:showCatName val="0"/>
-            <c:showSerName val="0"/>
-            <c:showPercent val="0"/>
-            <c:showBubbleSize val="0"/>
-            <c:showLeaderLines val="0"/>
-            <c:extLst>
+            <c:extLst xmlns:c16r2="http://schemas.microsoft.com/office/drawing/2015/06/chart">
               <c:ext xmlns:c15="http://schemas.microsoft.com/office/drawing/2012/chart" uri="{CE6537A1-D6FC-4f65-9D91-7224C49458BB}">
                 <c15:showLeaderLines val="1"/>
                 <c15:leaderLines>
@@ -3797,7 +3492,7 @@
               </c:numCache>
             </c:numRef>
           </c:val>
-          <c:extLst>
+          <c:extLst xmlns:c16r2="http://schemas.microsoft.com/office/drawing/2015/06/chart">
             <c:ext xmlns:c16="http://schemas.microsoft.com/office/drawing/2014/chart" uri="{C3380CC4-5D6E-409C-BE32-E72D297353CC}">
               <c16:uniqueId val="{00000001-37BF-43EA-A35C-D3FF7F5F695F}"/>
             </c:ext>
@@ -3826,7 +3521,6 @@
             </a:ln>
             <a:effectLst/>
           </c:spPr>
-          <c:invertIfNegative val="0"/>
           <c:dLbls>
             <c:spPr>
               <a:noFill/>
@@ -3858,14 +3552,8 @@
               </a:p>
             </c:txPr>
             <c:dLblPos val="outEnd"/>
-            <c:showLegendKey val="0"/>
             <c:showVal val="1"/>
-            <c:showCatName val="0"/>
-            <c:showSerName val="0"/>
-            <c:showPercent val="0"/>
-            <c:showBubbleSize val="0"/>
-            <c:showLeaderLines val="0"/>
-            <c:extLst>
+            <c:extLst xmlns:c16r2="http://schemas.microsoft.com/office/drawing/2015/06/chart">
               <c:ext xmlns:c15="http://schemas.microsoft.com/office/drawing/2012/chart" uri="{CE6537A1-D6FC-4f65-9D91-7224C49458BB}">
                 <c15:showLeaderLines val="1"/>
                 <c15:leaderLines>
@@ -3971,7 +3659,7 @@
               </c:numCache>
             </c:numRef>
           </c:val>
-          <c:extLst>
+          <c:extLst xmlns:c16r2="http://schemas.microsoft.com/office/drawing/2015/06/chart">
             <c:ext xmlns:c16="http://schemas.microsoft.com/office/drawing/2014/chart" uri="{C3380CC4-5D6E-409C-BE32-E72D297353CC}">
               <c16:uniqueId val="{00000002-37BF-43EA-A35C-D3FF7F5F695F}"/>
             </c:ext>
@@ -4000,7 +3688,6 @@
             </a:ln>
             <a:effectLst/>
           </c:spPr>
-          <c:invertIfNegative val="0"/>
           <c:dLbls>
             <c:spPr>
               <a:noFill/>
@@ -4032,14 +3719,8 @@
               </a:p>
             </c:txPr>
             <c:dLblPos val="outEnd"/>
-            <c:showLegendKey val="0"/>
             <c:showVal val="1"/>
-            <c:showCatName val="0"/>
-            <c:showSerName val="0"/>
-            <c:showPercent val="0"/>
-            <c:showBubbleSize val="0"/>
-            <c:showLeaderLines val="0"/>
-            <c:extLst>
+            <c:extLst xmlns:c16r2="http://schemas.microsoft.com/office/drawing/2015/06/chart">
               <c:ext xmlns:c15="http://schemas.microsoft.com/office/drawing/2012/chart" uri="{CE6537A1-D6FC-4f65-9D91-7224C49458BB}">
                 <c15:showLeaderLines val="1"/>
                 <c15:leaderLines>
@@ -4154,7 +3835,7 @@
               </c:numCache>
             </c:numRef>
           </c:val>
-          <c:extLst>
+          <c:extLst xmlns:c16r2="http://schemas.microsoft.com/office/drawing/2015/06/chart">
             <c:ext xmlns:c16="http://schemas.microsoft.com/office/drawing/2014/chart" uri="{C3380CC4-5D6E-409C-BE32-E72D297353CC}">
               <c16:uniqueId val="{00000003-37BF-43EA-A35C-D3FF7F5F695F}"/>
             </c:ext>
@@ -4183,7 +3864,6 @@
             </a:ln>
             <a:effectLst/>
           </c:spPr>
-          <c:invertIfNegative val="0"/>
           <c:dLbls>
             <c:spPr>
               <a:noFill/>
@@ -4215,14 +3895,8 @@
               </a:p>
             </c:txPr>
             <c:dLblPos val="outEnd"/>
-            <c:showLegendKey val="0"/>
             <c:showVal val="1"/>
-            <c:showCatName val="0"/>
-            <c:showSerName val="0"/>
-            <c:showPercent val="0"/>
-            <c:showBubbleSize val="0"/>
-            <c:showLeaderLines val="0"/>
-            <c:extLst>
+            <c:extLst xmlns:c16r2="http://schemas.microsoft.com/office/drawing/2015/06/chart">
               <c:ext xmlns:c15="http://schemas.microsoft.com/office/drawing/2012/chart" uri="{CE6537A1-D6FC-4f65-9D91-7224C49458BB}">
                 <c15:showLeaderLines val="1"/>
                 <c15:leaderLines>
@@ -4337,7 +4011,7 @@
               </c:numCache>
             </c:numRef>
           </c:val>
-          <c:extLst>
+          <c:extLst xmlns:c16r2="http://schemas.microsoft.com/office/drawing/2015/06/chart">
             <c:ext xmlns:c16="http://schemas.microsoft.com/office/drawing/2014/chart" uri="{C3380CC4-5D6E-409C-BE32-E72D297353CC}">
               <c16:uniqueId val="{00000004-37BF-43EA-A35C-D3FF7F5F695F}"/>
             </c:ext>
@@ -4366,7 +4040,6 @@
             </a:ln>
             <a:effectLst/>
           </c:spPr>
-          <c:invertIfNegative val="0"/>
           <c:dLbls>
             <c:spPr>
               <a:noFill/>
@@ -4398,14 +4071,8 @@
               </a:p>
             </c:txPr>
             <c:dLblPos val="outEnd"/>
-            <c:showLegendKey val="0"/>
             <c:showVal val="1"/>
-            <c:showCatName val="0"/>
-            <c:showSerName val="0"/>
-            <c:showPercent val="0"/>
-            <c:showBubbleSize val="0"/>
-            <c:showLeaderLines val="0"/>
-            <c:extLst>
+            <c:extLst xmlns:c16r2="http://schemas.microsoft.com/office/drawing/2015/06/chart">
               <c:ext xmlns:c15="http://schemas.microsoft.com/office/drawing/2012/chart" uri="{CE6537A1-D6FC-4f65-9D91-7224C49458BB}">
                 <c15:showLeaderLines val="1"/>
                 <c15:leaderLines>
@@ -4517,7 +4184,7 @@
               </c:numCache>
             </c:numRef>
           </c:val>
-          <c:extLst>
+          <c:extLst xmlns:c16r2="http://schemas.microsoft.com/office/drawing/2015/06/chart">
             <c:ext xmlns:c16="http://schemas.microsoft.com/office/drawing/2014/chart" uri="{C3380CC4-5D6E-409C-BE32-E72D297353CC}">
               <c16:uniqueId val="{00000005-37BF-43EA-A35C-D3FF7F5F695F}"/>
             </c:ext>
@@ -4548,7 +4215,6 @@
             </a:ln>
             <a:effectLst/>
           </c:spPr>
-          <c:invertIfNegative val="0"/>
           <c:dLbls>
             <c:spPr>
               <a:noFill/>
@@ -4580,14 +4246,8 @@
               </a:p>
             </c:txPr>
             <c:dLblPos val="outEnd"/>
-            <c:showLegendKey val="0"/>
             <c:showVal val="1"/>
-            <c:showCatName val="0"/>
-            <c:showSerName val="0"/>
-            <c:showPercent val="0"/>
-            <c:showBubbleSize val="0"/>
-            <c:showLeaderLines val="0"/>
-            <c:extLst>
+            <c:extLst xmlns:c16r2="http://schemas.microsoft.com/office/drawing/2015/06/chart">
               <c:ext xmlns:c15="http://schemas.microsoft.com/office/drawing/2012/chart" uri="{CE6537A1-D6FC-4f65-9D91-7224C49458BB}">
                 <c15:showLeaderLines val="1"/>
                 <c15:leaderLines>
@@ -4693,32 +4353,25 @@
               </c:numCache>
             </c:numRef>
           </c:val>
-          <c:extLst>
+          <c:extLst xmlns:c16r2="http://schemas.microsoft.com/office/drawing/2015/06/chart">
             <c:ext xmlns:c16="http://schemas.microsoft.com/office/drawing/2014/chart" uri="{C3380CC4-5D6E-409C-BE32-E72D297353CC}">
               <c16:uniqueId val="{00000006-37BF-43EA-A35C-D3FF7F5F695F}"/>
             </c:ext>
           </c:extLst>
         </c:ser>
         <c:dLbls>
-          <c:dLblPos val="outEnd"/>
-          <c:showLegendKey val="0"/>
           <c:showVal val="1"/>
-          <c:showCatName val="0"/>
-          <c:showSerName val="0"/>
-          <c:showPercent val="0"/>
-          <c:showBubbleSize val="0"/>
         </c:dLbls>
         <c:gapWidth val="219"/>
         <c:overlap val="-27"/>
-        <c:axId val="1709032967"/>
-        <c:axId val="14138888"/>
+        <c:axId val="109638784"/>
+        <c:axId val="109640704"/>
       </c:barChart>
       <c:catAx>
-        <c:axId val="1709032967"/>
+        <c:axId val="109638784"/>
         <c:scaling>
           <c:orientation val="minMax"/>
         </c:scaling>
-        <c:delete val="0"/>
         <c:axPos val="b"/>
         <c:title>
           <c:tx>
@@ -4743,7 +4396,6 @@
               </a:p>
             </c:rich>
           </c:tx>
-          <c:overlay val="0"/>
           <c:spPr>
             <a:noFill/>
             <a:ln>
@@ -4751,27 +4403,9 @@
             </a:ln>
             <a:effectLst/>
           </c:spPr>
-          <c:txPr>
-            <a:bodyPr rot="0" spcFirstLastPara="1" vertOverflow="ellipsis" vert="horz" wrap="square" anchor="ctr" anchorCtr="1"/>
-            <a:lstStyle/>
-            <a:p>
-              <a:pPr>
-                <a:defRPr sz="1400" b="0" i="0" u="none" strike="noStrike" kern="1200" baseline="0">
-                  <a:solidFill>
-                    <a:srgbClr val="FF0000"/>
-                  </a:solidFill>
-                  <a:latin typeface="Arial Black"/>
-                  <a:ea typeface="Arial Black"/>
-                  <a:cs typeface="Arial Black"/>
-                </a:defRPr>
-              </a:pPr>
-              <a:endParaRPr lang="en-US"/>
-            </a:p>
-          </c:txPr>
         </c:title>
         <c:numFmt formatCode="General" sourceLinked="1"/>
         <c:majorTickMark val="none"/>
-        <c:minorTickMark val="none"/>
         <c:tickLblPos val="nextTo"/>
         <c:spPr>
           <a:noFill/>
@@ -4806,19 +4440,17 @@
             <a:endParaRPr lang="en-US"/>
           </a:p>
         </c:txPr>
-        <c:crossAx val="14138888"/>
+        <c:crossAx val="109640704"/>
         <c:crosses val="autoZero"/>
         <c:auto val="1"/>
         <c:lblAlgn val="ctr"/>
         <c:lblOffset val="100"/>
-        <c:noMultiLvlLbl val="0"/>
       </c:catAx>
       <c:valAx>
-        <c:axId val="14138888"/>
+        <c:axId val="109640704"/>
         <c:scaling>
           <c:orientation val="minMax"/>
         </c:scaling>
-        <c:delete val="0"/>
         <c:axPos val="l"/>
         <c:majorGridlines>
           <c:spPr>
@@ -4857,7 +4489,6 @@
               </a:p>
             </c:rich>
           </c:tx>
-          <c:overlay val="0"/>
           <c:spPr>
             <a:noFill/>
             <a:ln>
@@ -4865,27 +4496,9 @@
             </a:ln>
             <a:effectLst/>
           </c:spPr>
-          <c:txPr>
-            <a:bodyPr rot="-5400000" spcFirstLastPara="1" vertOverflow="ellipsis" vert="horz" wrap="square" anchor="ctr" anchorCtr="1"/>
-            <a:lstStyle/>
-            <a:p>
-              <a:pPr>
-                <a:defRPr sz="1400" b="1" i="0" u="none" strike="noStrike" kern="1200" baseline="0">
-                  <a:solidFill>
-                    <a:srgbClr val="C00000"/>
-                  </a:solidFill>
-                  <a:latin typeface="Arial Black"/>
-                  <a:ea typeface="Arial Black"/>
-                  <a:cs typeface="Arial Black"/>
-                </a:defRPr>
-              </a:pPr>
-              <a:endParaRPr lang="en-US"/>
-            </a:p>
-          </c:txPr>
         </c:title>
         <c:numFmt formatCode="General" sourceLinked="1"/>
         <c:majorTickMark val="none"/>
-        <c:minorTickMark val="none"/>
         <c:tickLblPos val="nextTo"/>
         <c:spPr>
           <a:noFill/>
@@ -4911,7 +4524,7 @@
             <a:endParaRPr lang="en-US"/>
           </a:p>
         </c:txPr>
-        <c:crossAx val="1709032967"/>
+        <c:crossAx val="109638784"/>
         <c:crosses val="autoZero"/>
         <c:crossBetween val="between"/>
       </c:valAx>
@@ -4925,7 +4538,6 @@
     </c:plotArea>
     <c:legend>
       <c:legendPos val="r"/>
-      <c:overlay val="0"/>
       <c:spPr>
         <a:noFill/>
         <a:ln>
@@ -4956,7 +4568,6 @@
     </c:legend>
     <c:plotVisOnly val="1"/>
     <c:dispBlanksAs val="gap"/>
-    <c:showDLblsOverMax val="0"/>
   </c:chart>
   <c:spPr>
     <a:noFill/>
@@ -4975,10 +4586,8 @@
       <a:endParaRPr lang="en-US"/>
     </a:p>
   </c:txPr>
-  <c:externalData r:id="rId3">
-    <c:autoUpdate val="0"/>
-  </c:externalData>
-  <c:extLst>
+  <c:externalData r:id="rId1"/>
+  <c:extLst xmlns:c16r2="http://schemas.microsoft.com/office/drawing/2015/06/chart">
     <c:ext xmlns:c14="http://schemas.microsoft.com/office/drawing/2007/8/2/chart" uri="{781A3756-C4B2-4CAC-9D66-4F8BD8637D16}">
       <c14:pivotOptions>
         <c14:dropZonesVisible val="1"/>
@@ -6161,7 +5770,8 @@
           <a:p>
             <a:fld id="{84B86612-B127-4CD0-BF15-66D49A7175F7}" type="datetimeFigureOut">
               <a:rPr lang="en-IN" smtClean="0"/>
-              <a:t>26-08-2024</a:t>
+              <a:pPr/>
+              <a:t>27-08-2024</a:t>
             </a:fld>
             <a:endParaRPr lang="en-IN"/>
           </a:p>
@@ -6320,6 +5930,7 @@
           <a:p>
             <a:fld id="{F7F439ED-1E90-4106-847A-8EF19031FE2F}" type="slidenum">
               <a:rPr lang="en-IN" smtClean="0"/>
+              <a:pPr/>
               <a:t>‹#›</a:t>
             </a:fld>
             <a:endParaRPr lang="en-IN"/>
@@ -6329,7 +5940,7 @@
     </p:spTree>
     <p:extLst>
       <p:ext uri="{BB962C8B-B14F-4D97-AF65-F5344CB8AC3E}">
-        <p14:creationId xmlns:p14="http://schemas.microsoft.com/office/powerpoint/2010/main" val="2918557904"/>
+        <p14:creationId xmlns:p14="http://schemas.microsoft.com/office/powerpoint/2010/main" xmlns="" val="2918557904"/>
       </p:ext>
     </p:extLst>
   </p:cSld>
@@ -6494,6 +6105,7 @@
           <a:p>
             <a:fld id="{F7F439ED-1E90-4106-847A-8EF19031FE2F}" type="slidenum">
               <a:rPr lang="en-IN" smtClean="0"/>
+              <a:pPr/>
               <a:t>1</a:t>
             </a:fld>
             <a:endParaRPr lang="en-IN"/>
@@ -6503,7 +6115,7 @@
     </p:spTree>
     <p:extLst>
       <p:ext uri="{BB962C8B-B14F-4D97-AF65-F5344CB8AC3E}">
-        <p14:creationId xmlns:p14="http://schemas.microsoft.com/office/powerpoint/2010/main" val="404353501"/>
+        <p14:creationId xmlns:p14="http://schemas.microsoft.com/office/powerpoint/2010/main" xmlns="" val="404353501"/>
       </p:ext>
     </p:extLst>
   </p:cSld>
@@ -6658,7 +6270,8 @@
           <a:p>
             <a:fld id="{1D8BD707-D9CF-40AE-B4C6-C98DA3205C09}" type="datetimeFigureOut">
               <a:rPr lang="en-US"/>
-              <a:t>8/26/2024</a:t>
+              <a:pPr/>
+              <a:t>8/27/2024</a:t>
             </a:fld>
             <a:endParaRPr lang="en-US"/>
           </a:p>
@@ -6699,6 +6312,14 @@
             </a:pPr>
             <a:fld id="{81D60167-4931-47E6-BA6A-407CBD079E47}" type="slidenum">
               <a:rPr spc="10" dirty="0"/>
+              <a:pPr marL="38100">
+                <a:lnSpc>
+                  <a:spcPct val="100000"/>
+                </a:lnSpc>
+                <a:spcBef>
+                  <a:spcPts val="55"/>
+                </a:spcBef>
+              </a:pPr>
               <a:t>‹#›</a:t>
             </a:fld>
             <a:endParaRPr spc="10" dirty="0"/>
@@ -6838,7 +6459,8 @@
           <a:p>
             <a:fld id="{1D8BD707-D9CF-40AE-B4C6-C98DA3205C09}" type="datetimeFigureOut">
               <a:rPr lang="en-US"/>
-              <a:t>8/26/2024</a:t>
+              <a:pPr/>
+              <a:t>8/27/2024</a:t>
             </a:fld>
             <a:endParaRPr lang="en-US"/>
           </a:p>
@@ -6879,6 +6501,14 @@
             </a:pPr>
             <a:fld id="{81D60167-4931-47E6-BA6A-407CBD079E47}" type="slidenum">
               <a:rPr spc="10" dirty="0"/>
+              <a:pPr marL="38100">
+                <a:lnSpc>
+                  <a:spcPct val="100000"/>
+                </a:lnSpc>
+                <a:spcBef>
+                  <a:spcPts val="55"/>
+                </a:spcBef>
+              </a:pPr>
               <a:t>‹#›</a:t>
             </a:fld>
             <a:endParaRPr spc="10" dirty="0"/>
@@ -7061,7 +6691,8 @@
           <a:p>
             <a:fld id="{1D8BD707-D9CF-40AE-B4C6-C98DA3205C09}" type="datetimeFigureOut">
               <a:rPr lang="en-US"/>
-              <a:t>8/26/2024</a:t>
+              <a:pPr/>
+              <a:t>8/27/2024</a:t>
             </a:fld>
             <a:endParaRPr lang="en-US"/>
           </a:p>
@@ -7102,6 +6733,14 @@
             </a:pPr>
             <a:fld id="{81D60167-4931-47E6-BA6A-407CBD079E47}" type="slidenum">
               <a:rPr spc="10" dirty="0"/>
+              <a:pPr marL="38100">
+                <a:lnSpc>
+                  <a:spcPct val="100000"/>
+                </a:lnSpc>
+                <a:spcBef>
+                  <a:spcPts val="55"/>
+                </a:spcBef>
+              </a:pPr>
               <a:t>‹#›</a:t>
             </a:fld>
             <a:endParaRPr spc="10" dirty="0"/>
@@ -7218,7 +6857,8 @@
           <a:p>
             <a:fld id="{1D8BD707-D9CF-40AE-B4C6-C98DA3205C09}" type="datetimeFigureOut">
               <a:rPr lang="en-US"/>
-              <a:t>8/26/2024</a:t>
+              <a:pPr/>
+              <a:t>8/27/2024</a:t>
             </a:fld>
             <a:endParaRPr lang="en-US"/>
           </a:p>
@@ -7259,6 +6899,14 @@
             </a:pPr>
             <a:fld id="{81D60167-4931-47E6-BA6A-407CBD079E47}" type="slidenum">
               <a:rPr spc="10" dirty="0"/>
+              <a:pPr marL="38100">
+                <a:lnSpc>
+                  <a:spcPct val="100000"/>
+                </a:lnSpc>
+                <a:spcBef>
+                  <a:spcPts val="55"/>
+                </a:spcBef>
+              </a:pPr>
               <a:t>‹#›</a:t>
             </a:fld>
             <a:endParaRPr spc="10" dirty="0"/>
@@ -7346,7 +6994,8 @@
           <a:p>
             <a:fld id="{1D8BD707-D9CF-40AE-B4C6-C98DA3205C09}" type="datetimeFigureOut">
               <a:rPr lang="en-US"/>
-              <a:t>8/26/2024</a:t>
+              <a:pPr/>
+              <a:t>8/27/2024</a:t>
             </a:fld>
             <a:endParaRPr lang="en-US"/>
           </a:p>
@@ -7387,6 +7036,14 @@
             </a:pPr>
             <a:fld id="{81D60167-4931-47E6-BA6A-407CBD079E47}" type="slidenum">
               <a:rPr spc="10" dirty="0"/>
+              <a:pPr marL="38100">
+                <a:lnSpc>
+                  <a:spcPct val="100000"/>
+                </a:lnSpc>
+                <a:spcBef>
+                  <a:spcPts val="55"/>
+                </a:spcBef>
+              </a:pPr>
               <a:t>‹#›</a:t>
             </a:fld>
             <a:endParaRPr spc="10" dirty="0"/>
@@ -8065,7 +7722,8 @@
           <a:p>
             <a:fld id="{1D8BD707-D9CF-40AE-B4C6-C98DA3205C09}" type="datetimeFigureOut">
               <a:rPr lang="en-US"/>
-              <a:t>8/26/2024</a:t>
+              <a:pPr/>
+              <a:t>8/27/2024</a:t>
             </a:fld>
             <a:endParaRPr lang="en-US"/>
           </a:p>
@@ -8116,6 +7774,14 @@
             </a:pPr>
             <a:fld id="{81D60167-4931-47E6-BA6A-407CBD079E47}" type="slidenum">
               <a:rPr spc="10" dirty="0"/>
+              <a:pPr marL="38100">
+                <a:lnSpc>
+                  <a:spcPct val="100000"/>
+                </a:lnSpc>
+                <a:spcBef>
+                  <a:spcPts val="55"/>
+                </a:spcBef>
+              </a:pPr>
               <a:t>‹#›</a:t>
             </a:fld>
             <a:endParaRPr spc="10" dirty="0"/>
@@ -8583,6 +8249,16 @@
               </a:rPr>
               <a:t> </a:t>
             </a:r>
+            <a:r>
+              <a:rPr lang="en-US" b="1" i="0" dirty="0">
+                <a:solidFill>
+                  <a:srgbClr val="0F0F0F"/>
+                </a:solidFill>
+                <a:effectLst/>
+                <a:latin typeface="Roboto" panose="020F0502020204030204" pitchFamily="2" charset="0"/>
+              </a:rPr>
+              <a:t/>
+            </a:r>
             <a:br>
               <a:rPr lang="en-US" b="1" i="0" dirty="0">
                 <a:solidFill>
@@ -8649,6 +8325,14 @@
             </a:pPr>
             <a:fld id="{81D60167-4931-47E6-BA6A-407CBD079E47}" type="slidenum">
               <a:rPr spc="10" dirty="0"/>
+              <a:pPr marL="38100">
+                <a:lnSpc>
+                  <a:spcPct val="100000"/>
+                </a:lnSpc>
+                <a:spcBef>
+                  <a:spcPts val="55"/>
+                </a:spcBef>
+              </a:pPr>
               <a:t>1</a:t>
             </a:fld>
             <a:endParaRPr spc="10" dirty="0"/>
@@ -8660,7 +8344,7 @@
           <p:cNvPr id="14" name="TextBox 13">
             <a:extLst>
               <a:ext uri="{FF2B5EF4-FFF2-40B4-BE49-F238E27FC236}">
-                <a16:creationId xmlns:a16="http://schemas.microsoft.com/office/drawing/2014/main" id="{D55ADE35-C35B-07C1-F5AA-C33B3DDB802E}"/>
+                <a16:creationId xmlns:a16="http://schemas.microsoft.com/office/drawing/2014/main" xmlns="" id="{D55ADE35-C35B-07C1-F5AA-C33B3DDB802E}"/>
               </a:ext>
             </a:extLst>
           </p:cNvPr>
@@ -8691,7 +8375,11 @@
           <a:p>
             <a:r>
               <a:rPr lang="en-US" sz="2400" dirty="0"/>
-              <a:t>REGISTER NO:312207619(asunm1319312207619)</a:t>
+              <a:t>REGISTER </a:t>
+            </a:r>
+            <a:r>
+              <a:rPr lang="en-US" sz="2400" dirty="0" smtClean="0"/>
+              <a:t>NO:312207619(0CE8D025C27A33CAEA4409FB959C28FB)</a:t>
             </a:r>
             <a:endParaRPr lang="en-US" sz="2400" dirty="0">
               <a:ea typeface="Calibri"/>
@@ -8861,6 +8549,14 @@
                 <a:latin typeface="Trebuchet MS"/>
                 <a:cs typeface="Trebuchet MS"/>
               </a:rPr>
+              <a:pPr marL="38100">
+                <a:lnSpc>
+                  <a:spcPct val="100000"/>
+                </a:lnSpc>
+                <a:spcBef>
+                  <a:spcPts val="55"/>
+                </a:spcBef>
+              </a:pPr>
               <a:t>10</a:t>
             </a:fld>
             <a:endParaRPr sz="1100">
@@ -8925,7 +8621,7 @@
           <p:cNvPr id="10" name="Title 9">
             <a:extLst>
               <a:ext uri="{FF2B5EF4-FFF2-40B4-BE49-F238E27FC236}">
-                <a16:creationId xmlns:a16="http://schemas.microsoft.com/office/drawing/2014/main" id="{6D6487E3-C1CC-160B-3DE4-62E16E3A7626}"/>
+                <a16:creationId xmlns:a16="http://schemas.microsoft.com/office/drawing/2014/main" xmlns="" id="{6D6487E3-C1CC-160B-3DE4-62E16E3A7626}"/>
               </a:ext>
             </a:extLst>
           </p:cNvPr>
@@ -8955,7 +8651,7 @@
           <p:cNvPr id="11" name="Text Placeholder 10">
             <a:extLst>
               <a:ext uri="{FF2B5EF4-FFF2-40B4-BE49-F238E27FC236}">
-                <a16:creationId xmlns:a16="http://schemas.microsoft.com/office/drawing/2014/main" id="{40026E4D-C354-EBD8-4E06-AFAF0EB02EB6}"/>
+                <a16:creationId xmlns:a16="http://schemas.microsoft.com/office/drawing/2014/main" xmlns="" id="{40026E4D-C354-EBD8-4E06-AFAF0EB02EB6}"/>
               </a:ext>
             </a:extLst>
           </p:cNvPr>
@@ -9227,7 +8923,7 @@
           <p:cNvPr id="2" name="Title 1">
             <a:extLst>
               <a:ext uri="{FF2B5EF4-FFF2-40B4-BE49-F238E27FC236}">
-                <a16:creationId xmlns:a16="http://schemas.microsoft.com/office/drawing/2014/main" id="{2DDA6471-3167-9469-7503-B7D1208F5621}"/>
+                <a16:creationId xmlns:a16="http://schemas.microsoft.com/office/drawing/2014/main" xmlns="" id="{2DDA6471-3167-9469-7503-B7D1208F5621}"/>
               </a:ext>
             </a:extLst>
           </p:cNvPr>
@@ -9262,7 +8958,7 @@
           <p:cNvPr id="3" name="Text Placeholder 2">
             <a:extLst>
               <a:ext uri="{FF2B5EF4-FFF2-40B4-BE49-F238E27FC236}">
-                <a16:creationId xmlns:a16="http://schemas.microsoft.com/office/drawing/2014/main" id="{41E29F75-6A29-772C-D8EC-F757C90F3D3F}"/>
+                <a16:creationId xmlns:a16="http://schemas.microsoft.com/office/drawing/2014/main" xmlns="" id="{41E29F75-6A29-772C-D8EC-F757C90F3D3F}"/>
               </a:ext>
             </a:extLst>
           </p:cNvPr>
@@ -9402,7 +9098,7 @@
     </p:spTree>
     <p:extLst>
       <p:ext uri="{BB962C8B-B14F-4D97-AF65-F5344CB8AC3E}">
-        <p14:creationId xmlns:p14="http://schemas.microsoft.com/office/powerpoint/2010/main" val="3969672188"/>
+        <p14:creationId xmlns:p14="http://schemas.microsoft.com/office/powerpoint/2010/main" xmlns="" val="3969672188"/>
       </p:ext>
     </p:extLst>
   </p:cSld>
@@ -9698,6 +9394,14 @@
                 <a:latin typeface="Trebuchet MS"/>
                 <a:cs typeface="Trebuchet MS"/>
               </a:rPr>
+              <a:pPr marL="38100">
+                <a:lnSpc>
+                  <a:spcPct val="100000"/>
+                </a:lnSpc>
+                <a:spcBef>
+                  <a:spcPts val="55"/>
+                </a:spcBef>
+              </a:pPr>
               <a:t>12</a:t>
             </a:fld>
             <a:endParaRPr sz="1100">
@@ -9712,10 +9416,10 @@
           <p:cNvPr id="2" name="Chart 1">
             <a:extLst>
               <a:ext uri="{FF2B5EF4-FFF2-40B4-BE49-F238E27FC236}">
-                <a16:creationId xmlns:a16="http://schemas.microsoft.com/office/drawing/2014/main" id="{BF343E17-E48D-18BC-FF65-D3547D23B560}"/>
+                <a16:creationId xmlns:a16="http://schemas.microsoft.com/office/drawing/2014/main" xmlns="" id="{BF343E17-E48D-18BC-FF65-D3547D23B560}"/>
               </a:ext>
               <a:ext uri="{147F2762-F138-4A5C-976F-8EAC2B608ADB}">
-                <a16:predDERef xmlns:a16="http://schemas.microsoft.com/office/drawing/2014/main" pred="{44F8FAC5-6BE9-882F-E47B-2A68129FB8AE}"/>
+                <a16:predDERef xmlns:a16="http://schemas.microsoft.com/office/drawing/2014/main" xmlns="" pred="{44F8FAC5-6BE9-882F-E47B-2A68129FB8AE}"/>
               </a:ext>
             </a:extLst>
           </p:cNvPr>
@@ -9725,7 +9429,7 @@
           <p:nvPr>
             <p:extLst>
               <p:ext uri="{D42A27DB-BD31-4B8C-83A1-F6EECF244321}">
-                <p14:modId xmlns:p14="http://schemas.microsoft.com/office/powerpoint/2010/main" val="2973567684"/>
+                <p14:modId xmlns:p14="http://schemas.microsoft.com/office/powerpoint/2010/main" xmlns="" val="2973567684"/>
               </p:ext>
             </p:extLst>
           </p:nvPr>
@@ -9770,7 +9474,7 @@
           <p:cNvPr id="2" name="Title 1">
             <a:extLst>
               <a:ext uri="{FF2B5EF4-FFF2-40B4-BE49-F238E27FC236}">
-                <a16:creationId xmlns:a16="http://schemas.microsoft.com/office/drawing/2014/main" id="{A8F3401E-67AE-8DDD-2689-5B667CED1DD9}"/>
+                <a16:creationId xmlns:a16="http://schemas.microsoft.com/office/drawing/2014/main" xmlns="" id="{A8F3401E-67AE-8DDD-2689-5B667CED1DD9}"/>
               </a:ext>
             </a:extLst>
           </p:cNvPr>
@@ -9809,7 +9513,7 @@
           <p:cNvPr id="3" name="Chart 2">
             <a:extLst>
               <a:ext uri="{FF2B5EF4-FFF2-40B4-BE49-F238E27FC236}">
-                <a16:creationId xmlns:a16="http://schemas.microsoft.com/office/drawing/2014/main" id="{7C5ABC1B-A727-9141-9317-9B649A30F8B1}"/>
+                <a16:creationId xmlns:a16="http://schemas.microsoft.com/office/drawing/2014/main" xmlns="" id="{7C5ABC1B-A727-9141-9317-9B649A30F8B1}"/>
               </a:ext>
             </a:extLst>
           </p:cNvPr>
@@ -9819,7 +9523,7 @@
           <p:nvPr>
             <p:extLst>
               <p:ext uri="{D42A27DB-BD31-4B8C-83A1-F6EECF244321}">
-                <p14:modId xmlns:p14="http://schemas.microsoft.com/office/powerpoint/2010/main" val="2709044434"/>
+                <p14:modId xmlns:p14="http://schemas.microsoft.com/office/powerpoint/2010/main" xmlns="" val="2709044434"/>
               </p:ext>
             </p:extLst>
           </p:nvPr>
@@ -9837,7 +9541,7 @@
     </p:spTree>
     <p:extLst>
       <p:ext uri="{BB962C8B-B14F-4D97-AF65-F5344CB8AC3E}">
-        <p14:creationId xmlns:p14="http://schemas.microsoft.com/office/powerpoint/2010/main" val="3800404224"/>
+        <p14:creationId xmlns:p14="http://schemas.microsoft.com/office/powerpoint/2010/main" xmlns="" val="3800404224"/>
       </p:ext>
     </p:extLst>
   </p:cSld>
@@ -9869,7 +9573,7 @@
           <p:cNvPr id="2" name="Title 1">
             <a:extLst>
               <a:ext uri="{FF2B5EF4-FFF2-40B4-BE49-F238E27FC236}">
-                <a16:creationId xmlns:a16="http://schemas.microsoft.com/office/drawing/2014/main" id="{F9A5CB5B-BDD0-5A64-1A7C-37D3C88F8F9E}"/>
+                <a16:creationId xmlns:a16="http://schemas.microsoft.com/office/drawing/2014/main" xmlns="" id="{F9A5CB5B-BDD0-5A64-1A7C-37D3C88F8F9E}"/>
               </a:ext>
             </a:extLst>
           </p:cNvPr>
@@ -9904,7 +9608,7 @@
           <p:cNvPr id="3" name="Text Placeholder 2">
             <a:extLst>
               <a:ext uri="{FF2B5EF4-FFF2-40B4-BE49-F238E27FC236}">
-                <a16:creationId xmlns:a16="http://schemas.microsoft.com/office/drawing/2014/main" id="{998AA11E-9BA5-2644-0CAB-1CBA2CAAFDD5}"/>
+                <a16:creationId xmlns:a16="http://schemas.microsoft.com/office/drawing/2014/main" xmlns="" id="{998AA11E-9BA5-2644-0CAB-1CBA2CAAFDD5}"/>
               </a:ext>
             </a:extLst>
           </p:cNvPr>
@@ -9951,7 +9655,7 @@
     </p:spTree>
     <p:extLst>
       <p:ext uri="{BB962C8B-B14F-4D97-AF65-F5344CB8AC3E}">
-        <p14:creationId xmlns:p14="http://schemas.microsoft.com/office/powerpoint/2010/main" val="2986442291"/>
+        <p14:creationId xmlns:p14="http://schemas.microsoft.com/office/powerpoint/2010/main" xmlns="" val="2986442291"/>
       </p:ext>
     </p:extLst>
   </p:cSld>
@@ -9991,10 +9695,10 @@
           <p:cNvPr id="9" name="Rectangle 8">
             <a:extLst>
               <a:ext uri="{FF2B5EF4-FFF2-40B4-BE49-F238E27FC236}">
-                <a16:creationId xmlns:a16="http://schemas.microsoft.com/office/drawing/2014/main" id="{A3363022-C969-41E9-8EB2-E4C94908C1FA}"/>
+                <a16:creationId xmlns:a16="http://schemas.microsoft.com/office/drawing/2014/main" xmlns="" id="{A3363022-C969-41E9-8EB2-E4C94908C1FA}"/>
               </a:ext>
               <a:ext uri="{C183D7F6-B498-43B3-948B-1728B52AA6E4}">
-                <adec:decorative xmlns:adec="http://schemas.microsoft.com/office/drawing/2017/decorative" val="1"/>
+                <adec:decorative xmlns:adec="http://schemas.microsoft.com/office/drawing/2017/decorative" xmlns="" val="1"/>
               </a:ext>
             </a:extLst>
           </p:cNvPr>
@@ -10004,7 +9708,7 @@
           <p:nvPr>
             <p:extLst>
               <p:ext uri="{386F3935-93C4-4BCD-93E2-E3B085C9AB24}">
-                <p16:designElem xmlns:p16="http://schemas.microsoft.com/office/powerpoint/2015/main" val="1"/>
+                <p16:designElem xmlns:p16="http://schemas.microsoft.com/office/powerpoint/2015/main" xmlns="" val="1"/>
               </p:ext>
             </p:extLst>
           </p:nvPr>
@@ -10051,10 +9755,10 @@
           <p:cNvPr id="11" name="Rectangle 10">
             <a:extLst>
               <a:ext uri="{FF2B5EF4-FFF2-40B4-BE49-F238E27FC236}">
-                <a16:creationId xmlns:a16="http://schemas.microsoft.com/office/drawing/2014/main" id="{8D1AD6B3-BE88-4CEB-BA17-790657CC4729}"/>
+                <a16:creationId xmlns:a16="http://schemas.microsoft.com/office/drawing/2014/main" xmlns="" id="{8D1AD6B3-BE88-4CEB-BA17-790657CC4729}"/>
               </a:ext>
               <a:ext uri="{C183D7F6-B498-43B3-948B-1728B52AA6E4}">
-                <adec:decorative xmlns:adec="http://schemas.microsoft.com/office/drawing/2017/decorative" val="1"/>
+                <adec:decorative xmlns:adec="http://schemas.microsoft.com/office/drawing/2017/decorative" xmlns="" val="1"/>
               </a:ext>
             </a:extLst>
           </p:cNvPr>
@@ -10064,7 +9768,7 @@
           <p:nvPr>
             <p:extLst>
               <p:ext uri="{386F3935-93C4-4BCD-93E2-E3B085C9AB24}">
-                <p16:designElem xmlns:p16="http://schemas.microsoft.com/office/powerpoint/2015/main" val="1"/>
+                <p16:designElem xmlns:p16="http://schemas.microsoft.com/office/powerpoint/2015/main" xmlns="" val="1"/>
               </p:ext>
             </p:extLst>
           </p:nvPr>
@@ -10114,7 +9818,7 @@
           <p:cNvPr id="2" name="Title 1">
             <a:extLst>
               <a:ext uri="{FF2B5EF4-FFF2-40B4-BE49-F238E27FC236}">
-                <a16:creationId xmlns:a16="http://schemas.microsoft.com/office/drawing/2014/main" id="{32510344-D2F5-D520-6C1B-FFFC7518B0CA}"/>
+                <a16:creationId xmlns:a16="http://schemas.microsoft.com/office/drawing/2014/main" xmlns="" id="{32510344-D2F5-D520-6C1B-FFFC7518B0CA}"/>
               </a:ext>
             </a:extLst>
           </p:cNvPr>
@@ -10164,7 +9868,7 @@
           <p:cNvPr id="6" name="Graphic 5" descr="Smiling Face with No Fill">
             <a:extLst>
               <a:ext uri="{FF2B5EF4-FFF2-40B4-BE49-F238E27FC236}">
-                <a16:creationId xmlns:a16="http://schemas.microsoft.com/office/drawing/2014/main" id="{93732013-0E2F-23B1-A854-30C260904F76}"/>
+                <a16:creationId xmlns:a16="http://schemas.microsoft.com/office/drawing/2014/main" xmlns="" id="{93732013-0E2F-23B1-A854-30C260904F76}"/>
               </a:ext>
             </a:extLst>
           </p:cNvPr>
@@ -10177,10 +9881,10 @@
           <a:blip r:embed="rId2">
             <a:extLst>
               <a:ext uri="{28A0092B-C50C-407E-A947-70E740481C1C}">
-                <a14:useLocalDpi xmlns:a14="http://schemas.microsoft.com/office/drawing/2010/main" val="0"/>
+                <a14:useLocalDpi xmlns:a14="http://schemas.microsoft.com/office/drawing/2010/main" xmlns="" val="0"/>
               </a:ext>
               <a:ext uri="{96DAC541-7B7A-43D3-8B79-37D633B846F1}">
-                <asvg:svgBlip xmlns:asvg="http://schemas.microsoft.com/office/drawing/2016/SVG/main" r:embed="rId3"/>
+                <asvg:svgBlip xmlns:asvg="http://schemas.microsoft.com/office/drawing/2016/SVG/main" xmlns="" r:embed="rId3"/>
               </a:ext>
             </a:extLst>
           </a:blip>
@@ -10224,10 +9928,10 @@
           <p:cNvPr id="13" name="Group 12">
             <a:extLst>
               <a:ext uri="{FF2B5EF4-FFF2-40B4-BE49-F238E27FC236}">
-                <a16:creationId xmlns:a16="http://schemas.microsoft.com/office/drawing/2014/main" id="{89D1390B-7E13-4B4F-9CB2-391063412E54}"/>
+                <a16:creationId xmlns:a16="http://schemas.microsoft.com/office/drawing/2014/main" xmlns="" id="{89D1390B-7E13-4B4F-9CB2-391063412E54}"/>
               </a:ext>
               <a:ext uri="{C183D7F6-B498-43B3-948B-1728B52AA6E4}">
-                <adec:decorative xmlns:adec="http://schemas.microsoft.com/office/drawing/2017/decorative" val="1"/>
+                <adec:decorative xmlns:adec="http://schemas.microsoft.com/office/drawing/2017/decorative" xmlns="" val="1"/>
               </a:ext>
             </a:extLst>
           </p:cNvPr>
@@ -10237,7 +9941,7 @@
           <p:nvPr>
             <p:extLst>
               <p:ext uri="{386F3935-93C4-4BCD-93E2-E3B085C9AB24}">
-                <p16:designElem xmlns:p16="http://schemas.microsoft.com/office/powerpoint/2015/main" val="1"/>
+                <p16:designElem xmlns:p16="http://schemas.microsoft.com/office/powerpoint/2015/main" xmlns="" val="1"/>
               </p:ext>
             </p:extLst>
           </p:nvPr>
@@ -10255,10 +9959,10 @@
             <p:cNvPr id="14" name="Freeform: Shape 13">
               <a:extLst>
                 <a:ext uri="{FF2B5EF4-FFF2-40B4-BE49-F238E27FC236}">
-                  <a16:creationId xmlns:a16="http://schemas.microsoft.com/office/drawing/2014/main" id="{9E720206-AA49-4786-A932-A2650DE09183}"/>
+                  <a16:creationId xmlns:a16="http://schemas.microsoft.com/office/drawing/2014/main" xmlns="" id="{9E720206-AA49-4786-A932-A2650DE09183}"/>
                 </a:ext>
                 <a:ext uri="{C183D7F6-B498-43B3-948B-1728B52AA6E4}">
-                  <adec:decorative xmlns:adec="http://schemas.microsoft.com/office/drawing/2017/decorative" val="1"/>
+                  <adec:decorative xmlns:adec="http://schemas.microsoft.com/office/drawing/2017/decorative" xmlns="" val="1"/>
                 </a:ext>
               </a:extLst>
             </p:cNvPr>
@@ -10266,7 +9970,7 @@
             <p:nvPr>
               <p:extLst>
                 <p:ext uri="{386F3935-93C4-4BCD-93E2-E3B085C9AB24}">
-                  <p16:designElem xmlns:p16="http://schemas.microsoft.com/office/powerpoint/2015/main" val="1"/>
+                  <p16:designElem xmlns:p16="http://schemas.microsoft.com/office/powerpoint/2015/main" xmlns="" val="1"/>
                 </p:ext>
               </p:extLst>
             </p:nvPr>
@@ -10896,10 +10600,10 @@
             <p:cNvPr id="15" name="Freeform: Shape 14">
               <a:extLst>
                 <a:ext uri="{FF2B5EF4-FFF2-40B4-BE49-F238E27FC236}">
-                  <a16:creationId xmlns:a16="http://schemas.microsoft.com/office/drawing/2014/main" id="{C72F6EE6-EDE9-45A5-8F6D-02B9B7CB2C2F}"/>
+                  <a16:creationId xmlns:a16="http://schemas.microsoft.com/office/drawing/2014/main" xmlns="" id="{C72F6EE6-EDE9-45A5-8F6D-02B9B7CB2C2F}"/>
                 </a:ext>
                 <a:ext uri="{C183D7F6-B498-43B3-948B-1728B52AA6E4}">
-                  <adec:decorative xmlns:adec="http://schemas.microsoft.com/office/drawing/2017/decorative" val="1"/>
+                  <adec:decorative xmlns:adec="http://schemas.microsoft.com/office/drawing/2017/decorative" xmlns="" val="1"/>
                 </a:ext>
               </a:extLst>
             </p:cNvPr>
@@ -10907,7 +10611,7 @@
             <p:nvPr>
               <p:extLst>
                 <p:ext uri="{386F3935-93C4-4BCD-93E2-E3B085C9AB24}">
-                  <p16:designElem xmlns:p16="http://schemas.microsoft.com/office/powerpoint/2015/main" val="1"/>
+                  <p16:designElem xmlns:p16="http://schemas.microsoft.com/office/powerpoint/2015/main" xmlns="" val="1"/>
                 </p:ext>
               </p:extLst>
             </p:nvPr>
@@ -11589,10 +11293,10 @@
             <p:cNvPr id="16" name="Freeform: Shape 15">
               <a:extLst>
                 <a:ext uri="{FF2B5EF4-FFF2-40B4-BE49-F238E27FC236}">
-                  <a16:creationId xmlns:a16="http://schemas.microsoft.com/office/drawing/2014/main" id="{C093DC50-3BD7-46B1-A300-CD207E152FF4}"/>
+                  <a16:creationId xmlns:a16="http://schemas.microsoft.com/office/drawing/2014/main" xmlns="" id="{C093DC50-3BD7-46B1-A300-CD207E152FF4}"/>
                 </a:ext>
                 <a:ext uri="{C183D7F6-B498-43B3-948B-1728B52AA6E4}">
-                  <adec:decorative xmlns:adec="http://schemas.microsoft.com/office/drawing/2017/decorative" val="1"/>
+                  <adec:decorative xmlns:adec="http://schemas.microsoft.com/office/drawing/2017/decorative" xmlns="" val="1"/>
                 </a:ext>
               </a:extLst>
             </p:cNvPr>
@@ -11600,7 +11304,7 @@
             <p:nvPr>
               <p:extLst>
                 <p:ext uri="{386F3935-93C4-4BCD-93E2-E3B085C9AB24}">
-                  <p16:designElem xmlns:p16="http://schemas.microsoft.com/office/powerpoint/2015/main" val="1"/>
+                  <p16:designElem xmlns:p16="http://schemas.microsoft.com/office/powerpoint/2015/main" xmlns="" val="1"/>
                 </p:ext>
               </p:extLst>
             </p:nvPr>
@@ -12281,7 +11985,7 @@
     </p:spTree>
     <p:extLst>
       <p:ext uri="{BB962C8B-B14F-4D97-AF65-F5344CB8AC3E}">
-        <p14:creationId xmlns:p14="http://schemas.microsoft.com/office/powerpoint/2010/main" val="3815448434"/>
+        <p14:creationId xmlns:p14="http://schemas.microsoft.com/office/powerpoint/2010/main" xmlns="" val="3815448434"/>
       </p:ext>
     </p:extLst>
   </p:cSld>
@@ -13156,6 +12860,14 @@
             </a:pPr>
             <a:fld id="{81D60167-4931-47E6-BA6A-407CBD079E47}" type="slidenum">
               <a:rPr spc="10" dirty="0"/>
+              <a:pPr marL="38100">
+                <a:lnSpc>
+                  <a:spcPct val="100000"/>
+                </a:lnSpc>
+                <a:spcBef>
+                  <a:spcPts val="55"/>
+                </a:spcBef>
+              </a:pPr>
               <a:t>2</a:t>
             </a:fld>
             <a:endParaRPr spc="10" dirty="0"/>
@@ -13167,7 +12879,7 @@
           <p:cNvPr id="23" name="TextBox 22">
             <a:extLst>
               <a:ext uri="{FF2B5EF4-FFF2-40B4-BE49-F238E27FC236}">
-                <a16:creationId xmlns:a16="http://schemas.microsoft.com/office/drawing/2014/main" id="{F691EEC8-E83B-8506-163B-F39E906CCC0A}"/>
+                <a16:creationId xmlns:a16="http://schemas.microsoft.com/office/drawing/2014/main" xmlns="" id="{F691EEC8-E83B-8506-163B-F39E906CCC0A}"/>
               </a:ext>
             </a:extLst>
           </p:cNvPr>
@@ -14412,6 +14124,14 @@
             </a:pPr>
             <a:fld id="{81D60167-4931-47E6-BA6A-407CBD079E47}" type="slidenum">
               <a:rPr spc="10" dirty="0"/>
+              <a:pPr marL="38100">
+                <a:lnSpc>
+                  <a:spcPct val="100000"/>
+                </a:lnSpc>
+                <a:spcBef>
+                  <a:spcPts val="55"/>
+                </a:spcBef>
+              </a:pPr>
               <a:t>3</a:t>
             </a:fld>
             <a:endParaRPr spc="10" dirty="0"/>
@@ -14423,7 +14143,7 @@
           <p:cNvPr id="23" name="TextBox 22">
             <a:extLst>
               <a:ext uri="{FF2B5EF4-FFF2-40B4-BE49-F238E27FC236}">
-                <a16:creationId xmlns:a16="http://schemas.microsoft.com/office/drawing/2014/main" id="{D0827FA3-A9D4-0FE5-45BE-664C8C920E82}"/>
+                <a16:creationId xmlns:a16="http://schemas.microsoft.com/office/drawing/2014/main" xmlns="" id="{D0827FA3-A9D4-0FE5-45BE-664C8C920E82}"/>
               </a:ext>
             </a:extLst>
           </p:cNvPr>
@@ -14930,7 +14650,7 @@
           <p:cNvPr id="9" name="Text Placeholder 8">
             <a:extLst>
               <a:ext uri="{FF2B5EF4-FFF2-40B4-BE49-F238E27FC236}">
-                <a16:creationId xmlns:a16="http://schemas.microsoft.com/office/drawing/2014/main" id="{1F7EFE73-AEDD-1832-F54B-8067D56F1049}"/>
+                <a16:creationId xmlns:a16="http://schemas.microsoft.com/office/drawing/2014/main" xmlns="" id="{1F7EFE73-AEDD-1832-F54B-8067D56F1049}"/>
               </a:ext>
             </a:extLst>
           </p:cNvPr>
@@ -15009,6 +14729,14 @@
             </a:pPr>
             <a:fld id="{81D60167-4931-47E6-BA6A-407CBD079E47}" type="slidenum">
               <a:rPr spc="10" dirty="0"/>
+              <a:pPr marL="38100">
+                <a:lnSpc>
+                  <a:spcPct val="100000"/>
+                </a:lnSpc>
+                <a:spcBef>
+                  <a:spcPts val="55"/>
+                </a:spcBef>
+              </a:pPr>
               <a:t>4</a:t>
             </a:fld>
             <a:endParaRPr spc="10" dirty="0"/>
@@ -15298,7 +15026,7 @@
           <p:cNvPr id="9" name="Text Placeholder 8">
             <a:extLst>
               <a:ext uri="{FF2B5EF4-FFF2-40B4-BE49-F238E27FC236}">
-                <a16:creationId xmlns:a16="http://schemas.microsoft.com/office/drawing/2014/main" id="{C69DA8B7-A081-E0D3-EA39-1B7C3C6139C9}"/>
+                <a16:creationId xmlns:a16="http://schemas.microsoft.com/office/drawing/2014/main" xmlns="" id="{C69DA8B7-A081-E0D3-EA39-1B7C3C6139C9}"/>
               </a:ext>
             </a:extLst>
           </p:cNvPr>
@@ -15367,6 +15095,14 @@
             </a:pPr>
             <a:fld id="{81D60167-4931-47E6-BA6A-407CBD079E47}" type="slidenum">
               <a:rPr spc="10" dirty="0"/>
+              <a:pPr marL="38100">
+                <a:lnSpc>
+                  <a:spcPct val="100000"/>
+                </a:lnSpc>
+                <a:spcBef>
+                  <a:spcPts val="55"/>
+                </a:spcBef>
+              </a:pPr>
               <a:t>5</a:t>
             </a:fld>
             <a:endParaRPr spc="10" dirty="0"/>
@@ -15688,7 +15424,7 @@
           <p:cNvPr id="7" name="Text Placeholder 6">
             <a:extLst>
               <a:ext uri="{FF2B5EF4-FFF2-40B4-BE49-F238E27FC236}">
-                <a16:creationId xmlns:a16="http://schemas.microsoft.com/office/drawing/2014/main" id="{811A5887-2A2D-57B7-681E-E3F1B01111FA}"/>
+                <a16:creationId xmlns:a16="http://schemas.microsoft.com/office/drawing/2014/main" xmlns="" id="{811A5887-2A2D-57B7-681E-E3F1B01111FA}"/>
               </a:ext>
             </a:extLst>
           </p:cNvPr>
@@ -15839,6 +15575,14 @@
             </a:pPr>
             <a:fld id="{81D60167-4931-47E6-BA6A-407CBD079E47}" type="slidenum">
               <a:rPr spc="10" dirty="0"/>
+              <a:pPr marL="38100">
+                <a:lnSpc>
+                  <a:spcPct val="100000"/>
+                </a:lnSpc>
+                <a:spcBef>
+                  <a:spcPts val="55"/>
+                </a:spcBef>
+              </a:pPr>
               <a:t>6</a:t>
             </a:fld>
             <a:endParaRPr spc="10" dirty="0"/>
@@ -15872,7 +15616,7 @@
           <p:cNvPr id="12" name="Picture 11" descr="A diagram of a diagram of a diagram&#10;&#10;Description automatically generated">
             <a:extLst>
               <a:ext uri="{FF2B5EF4-FFF2-40B4-BE49-F238E27FC236}">
-                <a16:creationId xmlns:a16="http://schemas.microsoft.com/office/drawing/2014/main" id="{4577C5AF-6916-6834-E9E7-C0C1C1671317}"/>
+                <a16:creationId xmlns:a16="http://schemas.microsoft.com/office/drawing/2014/main" xmlns="" id="{4577C5AF-6916-6834-E9E7-C0C1C1671317}"/>
               </a:ext>
             </a:extLst>
           </p:cNvPr>
@@ -15885,7 +15629,7 @@
           <a:blip r:embed="rId3">
             <a:extLst>
               <a:ext uri="{837473B0-CC2E-450A-ABE3-18F120FF3D39}">
-                <a1611:picAttrSrcUrl xmlns:a1611="http://schemas.microsoft.com/office/drawing/2016/11/main" r:id="rId4"/>
+                <a1611:picAttrSrcUrl xmlns:a1611="http://schemas.microsoft.com/office/drawing/2016/11/main" xmlns="" r:id="rId4"/>
               </a:ext>
             </a:extLst>
           </a:blip>
@@ -16281,7 +16025,7 @@
           <p:cNvPr id="8" name="Text Placeholder 7">
             <a:extLst>
               <a:ext uri="{FF2B5EF4-FFF2-40B4-BE49-F238E27FC236}">
-                <a16:creationId xmlns:a16="http://schemas.microsoft.com/office/drawing/2014/main" id="{DACDDF2E-6442-B527-AC7D-C309AD5BAEC0}"/>
+                <a16:creationId xmlns:a16="http://schemas.microsoft.com/office/drawing/2014/main" xmlns="" id="{DACDDF2E-6442-B527-AC7D-C309AD5BAEC0}"/>
               </a:ext>
             </a:extLst>
           </p:cNvPr>
@@ -16450,6 +16194,14 @@
             </a:pPr>
             <a:fld id="{81D60167-4931-47E6-BA6A-407CBD079E47}" type="slidenum">
               <a:rPr spc="10" dirty="0"/>
+              <a:pPr marL="38100">
+                <a:lnSpc>
+                  <a:spcPct val="100000"/>
+                </a:lnSpc>
+                <a:spcBef>
+                  <a:spcPts val="55"/>
+                </a:spcBef>
+              </a:pPr>
               <a:t>7</a:t>
             </a:fld>
             <a:endParaRPr spc="10" dirty="0"/>
@@ -16508,7 +16260,7 @@
           <p:cNvPr id="2" name="Title 1">
             <a:extLst>
               <a:ext uri="{FF2B5EF4-FFF2-40B4-BE49-F238E27FC236}">
-                <a16:creationId xmlns:a16="http://schemas.microsoft.com/office/drawing/2014/main" id="{6E06195E-16D6-79D8-7A9F-F8EB1FE9E212}"/>
+                <a16:creationId xmlns:a16="http://schemas.microsoft.com/office/drawing/2014/main" xmlns="" id="{6E06195E-16D6-79D8-7A9F-F8EB1FE9E212}"/>
               </a:ext>
             </a:extLst>
           </p:cNvPr>
@@ -16536,7 +16288,7 @@
           <p:cNvPr id="3" name="Text Placeholder 2">
             <a:extLst>
               <a:ext uri="{FF2B5EF4-FFF2-40B4-BE49-F238E27FC236}">
-                <a16:creationId xmlns:a16="http://schemas.microsoft.com/office/drawing/2014/main" id="{6741A1DD-4C79-E80F-3566-FEE1FE74A9F1}"/>
+                <a16:creationId xmlns:a16="http://schemas.microsoft.com/office/drawing/2014/main" xmlns="" id="{6741A1DD-4C79-E80F-3566-FEE1FE74A9F1}"/>
               </a:ext>
             </a:extLst>
           </p:cNvPr>
@@ -16736,7 +16488,7 @@
     </p:spTree>
     <p:extLst>
       <p:ext uri="{BB962C8B-B14F-4D97-AF65-F5344CB8AC3E}">
-        <p14:creationId xmlns:p14="http://schemas.microsoft.com/office/powerpoint/2010/main" val="2720660618"/>
+        <p14:creationId xmlns:p14="http://schemas.microsoft.com/office/powerpoint/2010/main" xmlns="" val="2720660618"/>
       </p:ext>
     </p:extLst>
   </p:cSld>
@@ -17226,6 +16978,14 @@
                 <a:latin typeface="Trebuchet MS"/>
                 <a:cs typeface="Trebuchet MS"/>
               </a:rPr>
+              <a:pPr marL="38100">
+                <a:lnSpc>
+                  <a:spcPct val="100000"/>
+                </a:lnSpc>
+                <a:spcBef>
+                  <a:spcPts val="55"/>
+                </a:spcBef>
+              </a:pPr>
               <a:t>9</a:t>
             </a:fld>
             <a:endParaRPr sz="1100">
@@ -17240,7 +17000,7 @@
           <p:cNvPr id="9" name="TextBox 8">
             <a:extLst>
               <a:ext uri="{FF2B5EF4-FFF2-40B4-BE49-F238E27FC236}">
-                <a16:creationId xmlns:a16="http://schemas.microsoft.com/office/drawing/2014/main" id="{FAD9CEB2-36E1-0550-426B-2FAF97882044}"/>
+                <a16:creationId xmlns:a16="http://schemas.microsoft.com/office/drawing/2014/main" xmlns="" id="{FAD9CEB2-36E1-0550-426B-2FAF97882044}"/>
               </a:ext>
             </a:extLst>
           </p:cNvPr>
@@ -17624,7 +17384,7 @@
     </a:clrScheme>
     <a:fontScheme name="Office">
       <a:majorFont>
-        <a:latin typeface="Calibri Light" panose="020F0302020204030204"/>
+        <a:latin typeface="Calibri Light"/>
         <a:ea typeface=""/>
         <a:cs typeface=""/>
         <a:font script="Jpan" typeface="游ゴシック Light"/>
@@ -17676,7 +17436,7 @@
         <a:font script="Tfng" typeface="Ebrima"/>
       </a:majorFont>
       <a:minorFont>
-        <a:latin typeface="Calibri" panose="020F0502020204030204"/>
+        <a:latin typeface="Calibri"/>
         <a:ea typeface=""/>
         <a:cs typeface=""/>
         <a:font script="Jpan" typeface="游ゴシック"/>
@@ -17870,7 +17630,7 @@
   <a:extraClrSchemeLst/>
   <a:extLst>
     <a:ext uri="{05A4C25C-085E-4340-85A3-A5531E510DB2}">
-      <thm15:themeFamily xmlns:thm15="http://schemas.microsoft.com/office/thememl/2012/main" name="Office Theme" id="{62F939B6-93AF-4DB8-9C6B-D6C7DFDC589F}" vid="{4A3C46E8-61CC-4603-A589-7422A47A8E4A}"/>
+      <thm15:themeFamily xmlns:thm15="http://schemas.microsoft.com/office/thememl/2012/main" xmlns="" name="Office Theme" id="{62F939B6-93AF-4DB8-9C6B-D6C7DFDC589F}" vid="{4A3C46E8-61CC-4603-A589-7422A47A8E4A}"/>
     </a:ext>
   </a:extLst>
 </a:theme>
